--- a/AI제어실습.pptx
+++ b/AI제어실습.pptx
@@ -8,6 +8,13 @@
     <p:sldId id="256" r:id="rId2"/>
     <p:sldId id="257" r:id="rId3"/>
     <p:sldId id="258" r:id="rId4"/>
+    <p:sldId id="260" r:id="rId5"/>
+    <p:sldId id="261" r:id="rId6"/>
+    <p:sldId id="262" r:id="rId7"/>
+    <p:sldId id="264" r:id="rId8"/>
+    <p:sldId id="265" r:id="rId9"/>
+    <p:sldId id="267" r:id="rId10"/>
+    <p:sldId id="268" r:id="rId11"/>
   </p:sldIdLst>
   <p:sldSz cx="12192000" cy="6858000"/>
   <p:notesSz cx="6858000" cy="9144000"/>
@@ -158,7 +165,7 @@
           </a:lstStyle>
           <a:p>
             <a:r>
-              <a:rPr lang="ko-KR" altLang="en-US" smtClean="0"/>
+              <a:rPr lang="ko-KR" altLang="en-US"/>
               <a:t>마스터 제목 스타일 편집</a:t>
             </a:r>
             <a:endParaRPr lang="en-US" dirty="0"/>
@@ -232,7 +239,7 @@
           </a:lstStyle>
           <a:p>
             <a:r>
-              <a:rPr lang="ko-KR" altLang="en-US" smtClean="0"/>
+              <a:rPr lang="ko-KR" altLang="en-US"/>
               <a:t>클릭하여 마스터 부제목 스타일 편집</a:t>
             </a:r>
             <a:endParaRPr lang="en-US" dirty="0"/>
@@ -256,7 +263,7 @@
           <a:p>
             <a:fld id="{0612F38E-7BAB-4583-BA07-CA9771E9D216}" type="datetimeFigureOut">
               <a:rPr lang="ko-KR" altLang="en-US" smtClean="0"/>
-              <a:t>2022-10-28</a:t>
+              <a:t>2022-11-22</a:t>
             </a:fld>
             <a:endParaRPr lang="ko-KR" altLang="en-US"/>
           </a:p>
@@ -350,7 +357,7 @@
           <a:lstStyle/>
           <a:p>
             <a:r>
-              <a:rPr lang="ko-KR" altLang="en-US" smtClean="0"/>
+              <a:rPr lang="ko-KR" altLang="en-US"/>
               <a:t>마스터 제목 스타일 편집</a:t>
             </a:r>
             <a:endParaRPr lang="en-US"/>
@@ -374,35 +381,35 @@
           <a:p>
             <a:pPr lvl="0"/>
             <a:r>
-              <a:rPr lang="ko-KR" altLang="en-US" smtClean="0"/>
+              <a:rPr lang="ko-KR" altLang="en-US"/>
               <a:t>마스터 텍스트 스타일 편집</a:t>
             </a:r>
           </a:p>
           <a:p>
             <a:pPr lvl="1"/>
             <a:r>
-              <a:rPr lang="ko-KR" altLang="en-US" smtClean="0"/>
+              <a:rPr lang="ko-KR" altLang="en-US"/>
               <a:t>둘째 수준</a:t>
             </a:r>
           </a:p>
           <a:p>
             <a:pPr lvl="2"/>
             <a:r>
-              <a:rPr lang="ko-KR" altLang="en-US" smtClean="0"/>
+              <a:rPr lang="ko-KR" altLang="en-US"/>
               <a:t>셋째 수준</a:t>
             </a:r>
           </a:p>
           <a:p>
             <a:pPr lvl="3"/>
             <a:r>
-              <a:rPr lang="ko-KR" altLang="en-US" smtClean="0"/>
+              <a:rPr lang="ko-KR" altLang="en-US"/>
               <a:t>넷째 수준</a:t>
             </a:r>
           </a:p>
           <a:p>
             <a:pPr lvl="4"/>
             <a:r>
-              <a:rPr lang="ko-KR" altLang="en-US" smtClean="0"/>
+              <a:rPr lang="ko-KR" altLang="en-US"/>
               <a:t>다섯째 수준</a:t>
             </a:r>
             <a:endParaRPr lang="en-US" dirty="0"/>
@@ -426,7 +433,7 @@
           <a:p>
             <a:fld id="{0612F38E-7BAB-4583-BA07-CA9771E9D216}" type="datetimeFigureOut">
               <a:rPr lang="ko-KR" altLang="en-US" smtClean="0"/>
-              <a:t>2022-10-28</a:t>
+              <a:t>2022-11-22</a:t>
             </a:fld>
             <a:endParaRPr lang="ko-KR" altLang="en-US"/>
           </a:p>
@@ -525,7 +532,7 @@
           <a:lstStyle/>
           <a:p>
             <a:r>
-              <a:rPr lang="ko-KR" altLang="en-US" smtClean="0"/>
+              <a:rPr lang="ko-KR" altLang="en-US"/>
               <a:t>마스터 제목 스타일 편집</a:t>
             </a:r>
             <a:endParaRPr lang="en-US"/>
@@ -554,35 +561,35 @@
           <a:p>
             <a:pPr lvl="0"/>
             <a:r>
-              <a:rPr lang="ko-KR" altLang="en-US" smtClean="0"/>
+              <a:rPr lang="ko-KR" altLang="en-US"/>
               <a:t>마스터 텍스트 스타일 편집</a:t>
             </a:r>
           </a:p>
           <a:p>
             <a:pPr lvl="1"/>
             <a:r>
-              <a:rPr lang="ko-KR" altLang="en-US" smtClean="0"/>
+              <a:rPr lang="ko-KR" altLang="en-US"/>
               <a:t>둘째 수준</a:t>
             </a:r>
           </a:p>
           <a:p>
             <a:pPr lvl="2"/>
             <a:r>
-              <a:rPr lang="ko-KR" altLang="en-US" smtClean="0"/>
+              <a:rPr lang="ko-KR" altLang="en-US"/>
               <a:t>셋째 수준</a:t>
             </a:r>
           </a:p>
           <a:p>
             <a:pPr lvl="3"/>
             <a:r>
-              <a:rPr lang="ko-KR" altLang="en-US" smtClean="0"/>
+              <a:rPr lang="ko-KR" altLang="en-US"/>
               <a:t>넷째 수준</a:t>
             </a:r>
           </a:p>
           <a:p>
             <a:pPr lvl="4"/>
             <a:r>
-              <a:rPr lang="ko-KR" altLang="en-US" smtClean="0"/>
+              <a:rPr lang="ko-KR" altLang="en-US"/>
               <a:t>다섯째 수준</a:t>
             </a:r>
             <a:endParaRPr lang="en-US"/>
@@ -606,7 +613,7 @@
           <a:p>
             <a:fld id="{0612F38E-7BAB-4583-BA07-CA9771E9D216}" type="datetimeFigureOut">
               <a:rPr lang="ko-KR" altLang="en-US" smtClean="0"/>
-              <a:t>2022-10-28</a:t>
+              <a:t>2022-11-22</a:t>
             </a:fld>
             <a:endParaRPr lang="ko-KR" altLang="en-US"/>
           </a:p>
@@ -700,7 +707,7 @@
           <a:lstStyle/>
           <a:p>
             <a:r>
-              <a:rPr lang="ko-KR" altLang="en-US" smtClean="0"/>
+              <a:rPr lang="ko-KR" altLang="en-US"/>
               <a:t>마스터 제목 스타일 편집</a:t>
             </a:r>
             <a:endParaRPr lang="en-US" dirty="0"/>
@@ -724,35 +731,35 @@
           <a:p>
             <a:pPr lvl="0"/>
             <a:r>
-              <a:rPr lang="ko-KR" altLang="en-US" smtClean="0"/>
+              <a:rPr lang="ko-KR" altLang="en-US"/>
               <a:t>마스터 텍스트 스타일 편집</a:t>
             </a:r>
           </a:p>
           <a:p>
             <a:pPr lvl="1"/>
             <a:r>
-              <a:rPr lang="ko-KR" altLang="en-US" smtClean="0"/>
+              <a:rPr lang="ko-KR" altLang="en-US"/>
               <a:t>둘째 수준</a:t>
             </a:r>
           </a:p>
           <a:p>
             <a:pPr lvl="2"/>
             <a:r>
-              <a:rPr lang="ko-KR" altLang="en-US" smtClean="0"/>
+              <a:rPr lang="ko-KR" altLang="en-US"/>
               <a:t>셋째 수준</a:t>
             </a:r>
           </a:p>
           <a:p>
             <a:pPr lvl="3"/>
             <a:r>
-              <a:rPr lang="ko-KR" altLang="en-US" smtClean="0"/>
+              <a:rPr lang="ko-KR" altLang="en-US"/>
               <a:t>넷째 수준</a:t>
             </a:r>
           </a:p>
           <a:p>
             <a:pPr lvl="4"/>
             <a:r>
-              <a:rPr lang="ko-KR" altLang="en-US" smtClean="0"/>
+              <a:rPr lang="ko-KR" altLang="en-US"/>
               <a:t>다섯째 수준</a:t>
             </a:r>
             <a:endParaRPr lang="en-US" dirty="0"/>
@@ -776,7 +783,7 @@
           <a:p>
             <a:fld id="{0612F38E-7BAB-4583-BA07-CA9771E9D216}" type="datetimeFigureOut">
               <a:rPr lang="ko-KR" altLang="en-US" smtClean="0"/>
-              <a:t>2022-10-28</a:t>
+              <a:t>2022-11-22</a:t>
             </a:fld>
             <a:endParaRPr lang="ko-KR" altLang="en-US"/>
           </a:p>
@@ -881,7 +888,7 @@
           </a:lstStyle>
           <a:p>
             <a:r>
-              <a:rPr lang="ko-KR" altLang="en-US" smtClean="0"/>
+              <a:rPr lang="ko-KR" altLang="en-US"/>
               <a:t>마스터 제목 스타일 편집</a:t>
             </a:r>
             <a:endParaRPr lang="en-US" dirty="0"/>
@@ -1004,7 +1011,7 @@
           <a:p>
             <a:pPr lvl="0"/>
             <a:r>
-              <a:rPr lang="ko-KR" altLang="en-US" smtClean="0"/>
+              <a:rPr lang="ko-KR" altLang="en-US"/>
               <a:t>마스터 텍스트 스타일 편집</a:t>
             </a:r>
           </a:p>
@@ -1027,7 +1034,7 @@
           <a:p>
             <a:fld id="{0612F38E-7BAB-4583-BA07-CA9771E9D216}" type="datetimeFigureOut">
               <a:rPr lang="ko-KR" altLang="en-US" smtClean="0"/>
-              <a:t>2022-10-28</a:t>
+              <a:t>2022-11-22</a:t>
             </a:fld>
             <a:endParaRPr lang="ko-KR" altLang="en-US"/>
           </a:p>
@@ -1121,7 +1128,7 @@
           <a:lstStyle/>
           <a:p>
             <a:r>
-              <a:rPr lang="ko-KR" altLang="en-US" smtClean="0"/>
+              <a:rPr lang="ko-KR" altLang="en-US"/>
               <a:t>마스터 제목 스타일 편집</a:t>
             </a:r>
             <a:endParaRPr lang="en-US" dirty="0"/>
@@ -1150,35 +1157,35 @@
           <a:p>
             <a:pPr lvl="0"/>
             <a:r>
-              <a:rPr lang="ko-KR" altLang="en-US" smtClean="0"/>
+              <a:rPr lang="ko-KR" altLang="en-US"/>
               <a:t>마스터 텍스트 스타일 편집</a:t>
             </a:r>
           </a:p>
           <a:p>
             <a:pPr lvl="1"/>
             <a:r>
-              <a:rPr lang="ko-KR" altLang="en-US" smtClean="0"/>
+              <a:rPr lang="ko-KR" altLang="en-US"/>
               <a:t>둘째 수준</a:t>
             </a:r>
           </a:p>
           <a:p>
             <a:pPr lvl="2"/>
             <a:r>
-              <a:rPr lang="ko-KR" altLang="en-US" smtClean="0"/>
+              <a:rPr lang="ko-KR" altLang="en-US"/>
               <a:t>셋째 수준</a:t>
             </a:r>
           </a:p>
           <a:p>
             <a:pPr lvl="3"/>
             <a:r>
-              <a:rPr lang="ko-KR" altLang="en-US" smtClean="0"/>
+              <a:rPr lang="ko-KR" altLang="en-US"/>
               <a:t>넷째 수준</a:t>
             </a:r>
           </a:p>
           <a:p>
             <a:pPr lvl="4"/>
             <a:r>
-              <a:rPr lang="ko-KR" altLang="en-US" smtClean="0"/>
+              <a:rPr lang="ko-KR" altLang="en-US"/>
               <a:t>다섯째 수준</a:t>
             </a:r>
             <a:endParaRPr lang="en-US" dirty="0"/>
@@ -1207,35 +1214,35 @@
           <a:p>
             <a:pPr lvl="0"/>
             <a:r>
-              <a:rPr lang="ko-KR" altLang="en-US" smtClean="0"/>
+              <a:rPr lang="ko-KR" altLang="en-US"/>
               <a:t>마스터 텍스트 스타일 편집</a:t>
             </a:r>
           </a:p>
           <a:p>
             <a:pPr lvl="1"/>
             <a:r>
-              <a:rPr lang="ko-KR" altLang="en-US" smtClean="0"/>
+              <a:rPr lang="ko-KR" altLang="en-US"/>
               <a:t>둘째 수준</a:t>
             </a:r>
           </a:p>
           <a:p>
             <a:pPr lvl="2"/>
             <a:r>
-              <a:rPr lang="ko-KR" altLang="en-US" smtClean="0"/>
+              <a:rPr lang="ko-KR" altLang="en-US"/>
               <a:t>셋째 수준</a:t>
             </a:r>
           </a:p>
           <a:p>
             <a:pPr lvl="3"/>
             <a:r>
-              <a:rPr lang="ko-KR" altLang="en-US" smtClean="0"/>
+              <a:rPr lang="ko-KR" altLang="en-US"/>
               <a:t>넷째 수준</a:t>
             </a:r>
           </a:p>
           <a:p>
             <a:pPr lvl="4"/>
             <a:r>
-              <a:rPr lang="ko-KR" altLang="en-US" smtClean="0"/>
+              <a:rPr lang="ko-KR" altLang="en-US"/>
               <a:t>다섯째 수준</a:t>
             </a:r>
             <a:endParaRPr lang="en-US" dirty="0"/>
@@ -1259,7 +1266,7 @@
           <a:p>
             <a:fld id="{0612F38E-7BAB-4583-BA07-CA9771E9D216}" type="datetimeFigureOut">
               <a:rPr lang="ko-KR" altLang="en-US" smtClean="0"/>
-              <a:t>2022-10-28</a:t>
+              <a:t>2022-11-22</a:t>
             </a:fld>
             <a:endParaRPr lang="ko-KR" altLang="en-US"/>
           </a:p>
@@ -1401,7 +1408,7 @@
           <a:p>
             <a:pPr lvl="0"/>
             <a:r>
-              <a:rPr lang="ko-KR" altLang="en-US" smtClean="0"/>
+              <a:rPr lang="ko-KR" altLang="en-US"/>
               <a:t>마스터 텍스트 스타일 편집</a:t>
             </a:r>
           </a:p>
@@ -1429,35 +1436,35 @@
           <a:p>
             <a:pPr lvl="0"/>
             <a:r>
-              <a:rPr lang="ko-KR" altLang="en-US" smtClean="0"/>
+              <a:rPr lang="ko-KR" altLang="en-US"/>
               <a:t>마스터 텍스트 스타일 편집</a:t>
             </a:r>
           </a:p>
           <a:p>
             <a:pPr lvl="1"/>
             <a:r>
-              <a:rPr lang="ko-KR" altLang="en-US" smtClean="0"/>
+              <a:rPr lang="ko-KR" altLang="en-US"/>
               <a:t>둘째 수준</a:t>
             </a:r>
           </a:p>
           <a:p>
             <a:pPr lvl="2"/>
             <a:r>
-              <a:rPr lang="ko-KR" altLang="en-US" smtClean="0"/>
+              <a:rPr lang="ko-KR" altLang="en-US"/>
               <a:t>셋째 수준</a:t>
             </a:r>
           </a:p>
           <a:p>
             <a:pPr lvl="3"/>
             <a:r>
-              <a:rPr lang="ko-KR" altLang="en-US" smtClean="0"/>
+              <a:rPr lang="ko-KR" altLang="en-US"/>
               <a:t>넷째 수준</a:t>
             </a:r>
           </a:p>
           <a:p>
             <a:pPr lvl="4"/>
             <a:r>
-              <a:rPr lang="ko-KR" altLang="en-US" smtClean="0"/>
+              <a:rPr lang="ko-KR" altLang="en-US"/>
               <a:t>다섯째 수준</a:t>
             </a:r>
             <a:endParaRPr lang="en-US" dirty="0"/>
@@ -1526,7 +1533,7 @@
           <a:p>
             <a:pPr lvl="0"/>
             <a:r>
-              <a:rPr lang="ko-KR" altLang="en-US" smtClean="0"/>
+              <a:rPr lang="ko-KR" altLang="en-US"/>
               <a:t>마스터 텍스트 스타일 편집</a:t>
             </a:r>
           </a:p>
@@ -1554,35 +1561,35 @@
           <a:p>
             <a:pPr lvl="0"/>
             <a:r>
-              <a:rPr lang="ko-KR" altLang="en-US" smtClean="0"/>
+              <a:rPr lang="ko-KR" altLang="en-US"/>
               <a:t>마스터 텍스트 스타일 편집</a:t>
             </a:r>
           </a:p>
           <a:p>
             <a:pPr lvl="1"/>
             <a:r>
-              <a:rPr lang="ko-KR" altLang="en-US" smtClean="0"/>
+              <a:rPr lang="ko-KR" altLang="en-US"/>
               <a:t>둘째 수준</a:t>
             </a:r>
           </a:p>
           <a:p>
             <a:pPr lvl="2"/>
             <a:r>
-              <a:rPr lang="ko-KR" altLang="en-US" smtClean="0"/>
+              <a:rPr lang="ko-KR" altLang="en-US"/>
               <a:t>셋째 수준</a:t>
             </a:r>
           </a:p>
           <a:p>
             <a:pPr lvl="3"/>
             <a:r>
-              <a:rPr lang="ko-KR" altLang="en-US" smtClean="0"/>
+              <a:rPr lang="ko-KR" altLang="en-US"/>
               <a:t>넷째 수준</a:t>
             </a:r>
           </a:p>
           <a:p>
             <a:pPr lvl="4"/>
             <a:r>
-              <a:rPr lang="ko-KR" altLang="en-US" smtClean="0"/>
+              <a:rPr lang="ko-KR" altLang="en-US"/>
               <a:t>다섯째 수준</a:t>
             </a:r>
             <a:endParaRPr lang="en-US"/>
@@ -1606,7 +1613,7 @@
           <a:p>
             <a:fld id="{0612F38E-7BAB-4583-BA07-CA9771E9D216}" type="datetimeFigureOut">
               <a:rPr lang="ko-KR" altLang="en-US" smtClean="0"/>
-              <a:t>2022-10-28</a:t>
+              <a:t>2022-11-22</a:t>
             </a:fld>
             <a:endParaRPr lang="ko-KR" altLang="en-US"/>
           </a:p>
@@ -1670,7 +1677,7 @@
           <a:lstStyle/>
           <a:p>
             <a:r>
-              <a:rPr lang="ko-KR" altLang="en-US" smtClean="0"/>
+              <a:rPr lang="ko-KR" altLang="en-US"/>
               <a:t>마스터 제목 스타일 편집</a:t>
             </a:r>
             <a:endParaRPr lang="en-US" dirty="0"/>
@@ -1724,7 +1731,7 @@
           <a:p>
             <a:fld id="{0612F38E-7BAB-4583-BA07-CA9771E9D216}" type="datetimeFigureOut">
               <a:rPr lang="ko-KR" altLang="en-US" smtClean="0"/>
-              <a:t>2022-10-28</a:t>
+              <a:t>2022-11-22</a:t>
             </a:fld>
             <a:endParaRPr lang="ko-KR" altLang="en-US"/>
           </a:p>
@@ -1788,7 +1795,7 @@
           <a:lstStyle/>
           <a:p>
             <a:r>
-              <a:rPr lang="ko-KR" altLang="en-US" smtClean="0"/>
+              <a:rPr lang="ko-KR" altLang="en-US"/>
               <a:t>마스터 제목 스타일 편집</a:t>
             </a:r>
             <a:endParaRPr lang="en-US"/>
@@ -1842,7 +1849,7 @@
           <a:p>
             <a:fld id="{0612F38E-7BAB-4583-BA07-CA9771E9D216}" type="datetimeFigureOut">
               <a:rPr lang="ko-KR" altLang="en-US" smtClean="0"/>
-              <a:t>2022-10-28</a:t>
+              <a:t>2022-11-22</a:t>
             </a:fld>
             <a:endParaRPr lang="ko-KR" altLang="en-US"/>
           </a:p>
@@ -1947,7 +1954,7 @@
           </a:lstStyle>
           <a:p>
             <a:r>
-              <a:rPr lang="ko-KR" altLang="en-US" smtClean="0"/>
+              <a:rPr lang="ko-KR" altLang="en-US"/>
               <a:t>마스터 제목 스타일 편집</a:t>
             </a:r>
             <a:endParaRPr lang="en-US" dirty="0"/>
@@ -2004,35 +2011,35 @@
           <a:p>
             <a:pPr lvl="0"/>
             <a:r>
-              <a:rPr lang="ko-KR" altLang="en-US" smtClean="0"/>
+              <a:rPr lang="ko-KR" altLang="en-US"/>
               <a:t>마스터 텍스트 스타일 편집</a:t>
             </a:r>
           </a:p>
           <a:p>
             <a:pPr lvl="1"/>
             <a:r>
-              <a:rPr lang="ko-KR" altLang="en-US" smtClean="0"/>
+              <a:rPr lang="ko-KR" altLang="en-US"/>
               <a:t>둘째 수준</a:t>
             </a:r>
           </a:p>
           <a:p>
             <a:pPr lvl="2"/>
             <a:r>
-              <a:rPr lang="ko-KR" altLang="en-US" smtClean="0"/>
+              <a:rPr lang="ko-KR" altLang="en-US"/>
               <a:t>셋째 수준</a:t>
             </a:r>
           </a:p>
           <a:p>
             <a:pPr lvl="3"/>
             <a:r>
-              <a:rPr lang="ko-KR" altLang="en-US" smtClean="0"/>
+              <a:rPr lang="ko-KR" altLang="en-US"/>
               <a:t>넷째 수준</a:t>
             </a:r>
           </a:p>
           <a:p>
             <a:pPr lvl="4"/>
             <a:r>
-              <a:rPr lang="ko-KR" altLang="en-US" smtClean="0"/>
+              <a:rPr lang="ko-KR" altLang="en-US"/>
               <a:t>다섯째 수준</a:t>
             </a:r>
             <a:endParaRPr lang="en-US" dirty="0"/>
@@ -2103,7 +2110,7 @@
           <a:p>
             <a:pPr lvl="0"/>
             <a:r>
-              <a:rPr lang="ko-KR" altLang="en-US" smtClean="0"/>
+              <a:rPr lang="ko-KR" altLang="en-US"/>
               <a:t>마스터 텍스트 스타일 편집</a:t>
             </a:r>
           </a:p>
@@ -2126,7 +2133,7 @@
           <a:p>
             <a:fld id="{0612F38E-7BAB-4583-BA07-CA9771E9D216}" type="datetimeFigureOut">
               <a:rPr lang="ko-KR" altLang="en-US" smtClean="0"/>
-              <a:t>2022-10-28</a:t>
+              <a:t>2022-11-22</a:t>
             </a:fld>
             <a:endParaRPr lang="ko-KR" altLang="en-US"/>
           </a:p>
@@ -2231,7 +2238,7 @@
           </a:lstStyle>
           <a:p>
             <a:r>
-              <a:rPr lang="ko-KR" altLang="en-US" smtClean="0"/>
+              <a:rPr lang="ko-KR" altLang="en-US"/>
               <a:t>마스터 제목 스타일 편집</a:t>
             </a:r>
             <a:endParaRPr lang="en-US" dirty="0"/>
@@ -2296,7 +2303,7 @@
           </a:lstStyle>
           <a:p>
             <a:r>
-              <a:rPr lang="ko-KR" altLang="en-US" smtClean="0"/>
+              <a:rPr lang="ko-KR" altLang="en-US"/>
               <a:t>그림을 추가하려면 아이콘을 클릭하십시오</a:t>
             </a:r>
             <a:endParaRPr lang="en-US" dirty="0"/>
@@ -2367,7 +2374,7 @@
           <a:p>
             <a:pPr lvl="0"/>
             <a:r>
-              <a:rPr lang="ko-KR" altLang="en-US" smtClean="0"/>
+              <a:rPr lang="ko-KR" altLang="en-US"/>
               <a:t>마스터 텍스트 스타일 편집</a:t>
             </a:r>
           </a:p>
@@ -2390,7 +2397,7 @@
           <a:p>
             <a:fld id="{0612F38E-7BAB-4583-BA07-CA9771E9D216}" type="datetimeFigureOut">
               <a:rPr lang="ko-KR" altLang="en-US" smtClean="0"/>
-              <a:t>2022-10-28</a:t>
+              <a:t>2022-11-22</a:t>
             </a:fld>
             <a:endParaRPr lang="ko-KR" altLang="en-US"/>
           </a:p>
@@ -2499,7 +2506,7 @@
           <a:lstStyle/>
           <a:p>
             <a:r>
-              <a:rPr lang="ko-KR" altLang="en-US" smtClean="0"/>
+              <a:rPr lang="ko-KR" altLang="en-US"/>
               <a:t>마스터 제목 스타일 편집</a:t>
             </a:r>
             <a:endParaRPr lang="en-US" dirty="0"/>
@@ -2533,35 +2540,35 @@
           <a:p>
             <a:pPr lvl="0"/>
             <a:r>
-              <a:rPr lang="ko-KR" altLang="en-US" smtClean="0"/>
+              <a:rPr lang="ko-KR" altLang="en-US"/>
               <a:t>마스터 텍스트 스타일 편집</a:t>
             </a:r>
           </a:p>
           <a:p>
             <a:pPr lvl="1"/>
             <a:r>
-              <a:rPr lang="ko-KR" altLang="en-US" smtClean="0"/>
+              <a:rPr lang="ko-KR" altLang="en-US"/>
               <a:t>둘째 수준</a:t>
             </a:r>
           </a:p>
           <a:p>
             <a:pPr lvl="2"/>
             <a:r>
-              <a:rPr lang="ko-KR" altLang="en-US" smtClean="0"/>
+              <a:rPr lang="ko-KR" altLang="en-US"/>
               <a:t>셋째 수준</a:t>
             </a:r>
           </a:p>
           <a:p>
             <a:pPr lvl="3"/>
             <a:r>
-              <a:rPr lang="ko-KR" altLang="en-US" smtClean="0"/>
+              <a:rPr lang="ko-KR" altLang="en-US"/>
               <a:t>넷째 수준</a:t>
             </a:r>
           </a:p>
           <a:p>
             <a:pPr lvl="4"/>
             <a:r>
-              <a:rPr lang="ko-KR" altLang="en-US" smtClean="0"/>
+              <a:rPr lang="ko-KR" altLang="en-US"/>
               <a:t>다섯째 수준</a:t>
             </a:r>
             <a:endParaRPr lang="en-US" dirty="0"/>
@@ -2604,7 +2611,7 @@
           <a:p>
             <a:fld id="{0612F38E-7BAB-4583-BA07-CA9771E9D216}" type="datetimeFigureOut">
               <a:rPr lang="ko-KR" altLang="en-US" smtClean="0"/>
-              <a:t>2022-10-28</a:t>
+              <a:t>2022-11-22</a:t>
             </a:fld>
             <a:endParaRPr lang="ko-KR" altLang="en-US"/>
           </a:p>
@@ -3046,23 +3053,19 @@
           <a:lstStyle/>
           <a:p>
             <a:r>
-              <a:rPr lang="en-US" altLang="ko-KR" sz="4800" dirty="0" smtClean="0">
+              <a:rPr lang="en-US" altLang="ko-KR" sz="4800" dirty="0">
                 <a:latin typeface="HY헤드라인M" panose="02030600000101010101" pitchFamily="18" charset="-127"/>
                 <a:ea typeface="HY헤드라인M" panose="02030600000101010101" pitchFamily="18" charset="-127"/>
               </a:rPr>
               <a:t>AI</a:t>
             </a:r>
             <a:r>
-              <a:rPr lang="ko-KR" altLang="en-US" sz="4800" dirty="0" smtClean="0">
+              <a:rPr lang="ko-KR" altLang="en-US" sz="4800" dirty="0">
                 <a:latin typeface="HY헤드라인M" panose="02030600000101010101" pitchFamily="18" charset="-127"/>
                 <a:ea typeface="HY헤드라인M" panose="02030600000101010101" pitchFamily="18" charset="-127"/>
               </a:rPr>
               <a:t>제어실습</a:t>
             </a:r>
-            <a:endParaRPr lang="ko-KR" altLang="en-US" sz="4800" dirty="0">
-              <a:latin typeface="HY헤드라인M" panose="02030600000101010101" pitchFamily="18" charset="-127"/>
-              <a:ea typeface="HY헤드라인M" panose="02030600000101010101" pitchFamily="18" charset="-127"/>
-            </a:endParaRPr>
           </a:p>
         </p:txBody>
       </p:sp>
@@ -3082,15 +3085,15 @@
           <a:lstStyle/>
           <a:p>
             <a:r>
-              <a:rPr lang="en-US" altLang="ko-KR" dirty="0" smtClean="0"/>
+              <a:rPr lang="en-US" altLang="ko-KR" dirty="0"/>
               <a:t>(</a:t>
             </a:r>
             <a:r>
-              <a:rPr lang="ko-KR" altLang="en-US" dirty="0" smtClean="0"/>
+              <a:rPr lang="ko-KR" altLang="en-US" dirty="0"/>
               <a:t>기말과제</a:t>
             </a:r>
             <a:r>
-              <a:rPr lang="en-US" altLang="ko-KR" dirty="0" smtClean="0"/>
+              <a:rPr lang="en-US" altLang="ko-KR" dirty="0"/>
               <a:t>)</a:t>
             </a:r>
             <a:endParaRPr lang="ko-KR" altLang="en-US" dirty="0"/>
@@ -3121,7 +3124,7 @@
           <a:p>
             <a:pPr algn="r"/>
             <a:r>
-              <a:rPr lang="en-US" altLang="ko-KR" dirty="0" smtClean="0">
+              <a:rPr lang="en-US" altLang="ko-KR" dirty="0">
                 <a:solidFill>
                   <a:schemeClr val="bg1"/>
                 </a:solidFill>
@@ -3136,7 +3139,7 @@
               <a:t>2217110228</a:t>
             </a:r>
             <a:r>
-              <a:rPr lang="ko-KR" altLang="en-US" dirty="0" smtClean="0">
+              <a:rPr lang="ko-KR" altLang="en-US" dirty="0">
                 <a:solidFill>
                   <a:schemeClr val="bg1"/>
                 </a:solidFill>
@@ -3151,7 +3154,7 @@
               <a:t>임동우</a:t>
             </a:r>
             <a:r>
-              <a:rPr lang="en-US" altLang="ko-KR" dirty="0" smtClean="0">
+              <a:rPr lang="en-US" altLang="ko-KR" dirty="0">
                 <a:solidFill>
                   <a:schemeClr val="bg1"/>
                 </a:solidFill>
@@ -3166,7 +3169,7 @@
               <a:t>                                                                                       2217110229</a:t>
             </a:r>
             <a:r>
-              <a:rPr lang="ko-KR" altLang="en-US" dirty="0" smtClean="0">
+              <a:rPr lang="ko-KR" altLang="en-US" dirty="0">
                 <a:solidFill>
                   <a:schemeClr val="bg1"/>
                 </a:solidFill>
@@ -3181,7 +3184,7 @@
               <a:t>임신홍</a:t>
             </a:r>
             <a:r>
-              <a:rPr lang="en-US" altLang="ko-KR" dirty="0" smtClean="0">
+              <a:rPr lang="en-US" altLang="ko-KR" dirty="0">
                 <a:solidFill>
                   <a:schemeClr val="bg1"/>
                 </a:solidFill>
@@ -3196,7 +3199,7 @@
               <a:t>                                                                                      2017110243</a:t>
             </a:r>
             <a:r>
-              <a:rPr lang="ko-KR" altLang="en-US" dirty="0" smtClean="0">
+              <a:rPr lang="ko-KR" altLang="en-US" dirty="0">
                 <a:solidFill>
                   <a:schemeClr val="bg1"/>
                 </a:solidFill>
@@ -3210,7 +3213,7 @@
               </a:rPr>
               <a:t>황인욱</a:t>
             </a:r>
-            <a:endParaRPr lang="en-US" altLang="ko-KR" dirty="0" smtClean="0">
+            <a:endParaRPr lang="en-US" altLang="ko-KR" dirty="0">
               <a:solidFill>
                 <a:schemeClr val="bg1"/>
               </a:solidFill>
@@ -3246,13 +3249,65 @@
   <p:clrMapOvr>
     <a:masterClrMapping/>
   </p:clrMapOvr>
-  <p:timing>
-    <p:tnLst>
-      <p:par>
-        <p:cTn id="1" dur="indefinite" restart="never" nodeType="tmRoot"/>
-      </p:par>
-    </p:tnLst>
-  </p:timing>
+</p:sld>
+</file>
+
+<file path=ppt/slides/slide10.xml><?xml version="1.0" encoding="utf-8"?>
+<p:sld xmlns:a="http://schemas.openxmlformats.org/drawingml/2006/main" xmlns:r="http://schemas.openxmlformats.org/officeDocument/2006/relationships" xmlns:p="http://schemas.openxmlformats.org/presentationml/2006/main">
+  <p:cSld>
+    <p:spTree>
+      <p:nvGrpSpPr>
+        <p:cNvPr id="1" name=""/>
+        <p:cNvGrpSpPr/>
+        <p:nvPr/>
+      </p:nvGrpSpPr>
+      <p:grpSpPr>
+        <a:xfrm>
+          <a:off x="0" y="0"/>
+          <a:ext cx="0" cy="0"/>
+          <a:chOff x="0" y="0"/>
+          <a:chExt cx="0" cy="0"/>
+        </a:xfrm>
+      </p:grpSpPr>
+      <p:pic>
+        <p:nvPicPr>
+          <p:cNvPr id="4" name="내용 개체 틀 3"/>
+          <p:cNvPicPr>
+            <a:picLocks noGrp="1" noChangeAspect="1"/>
+          </p:cNvPicPr>
+          <p:nvPr>
+            <p:ph idx="1"/>
+          </p:nvPr>
+        </p:nvPicPr>
+        <p:blipFill>
+          <a:blip r:embed="rId2">
+            <a:extLst>
+              <a:ext uri="{28A0092B-C50C-407E-A947-70E740481C1C}">
+                <a14:useLocalDpi xmlns:a14="http://schemas.microsoft.com/office/drawing/2010/main" val="0"/>
+              </a:ext>
+            </a:extLst>
+          </a:blip>
+          <a:stretch>
+            <a:fillRect/>
+          </a:stretch>
+        </p:blipFill>
+        <p:spPr>
+          <a:xfrm>
+            <a:off x="0" y="0"/>
+            <a:ext cx="12192000" cy="6858000"/>
+          </a:xfrm>
+        </p:spPr>
+      </p:pic>
+    </p:spTree>
+    <p:extLst>
+      <p:ext uri="{BB962C8B-B14F-4D97-AF65-F5344CB8AC3E}">
+        <p14:creationId xmlns:p14="http://schemas.microsoft.com/office/powerpoint/2010/main" val="2410644572"/>
+      </p:ext>
+    </p:extLst>
+  </p:cSld>
+  <p:clrMapOvr>
+    <a:masterClrMapping/>
+  </p:clrMapOvr>
 </p:sld>
 </file>
 
@@ -3386,7 +3441,7 @@
           <a:lstStyle/>
           <a:p>
             <a:r>
-              <a:rPr lang="ko-KR" altLang="en-US" dirty="0" smtClean="0">
+              <a:rPr lang="ko-KR" altLang="en-US" dirty="0">
                 <a:effectLst>
                   <a:outerShdw blurRad="38100" dist="38100" dir="2700000" algn="tl">
                     <a:srgbClr val="000000">
@@ -3398,7 +3453,7 @@
               <a:t>제품 이름</a:t>
             </a:r>
             <a:r>
-              <a:rPr lang="en-US" altLang="ko-KR" dirty="0" smtClean="0">
+              <a:rPr lang="en-US" altLang="ko-KR" dirty="0">
                 <a:effectLst>
                   <a:outerShdw blurRad="38100" dist="38100" dir="2700000" algn="tl">
                     <a:srgbClr val="000000">
@@ -3410,7 +3465,7 @@
               <a:t>:</a:t>
             </a:r>
             <a:r>
-              <a:rPr lang="ko-KR" altLang="en-US" dirty="0" smtClean="0">
+              <a:rPr lang="ko-KR" altLang="en-US" dirty="0">
                 <a:effectLst>
                   <a:outerShdw blurRad="38100" dist="38100" dir="2700000" algn="tl">
                     <a:srgbClr val="000000">
@@ -3421,7 +3476,7 @@
               </a:rPr>
               <a:t>컬러인식인공지능모터</a:t>
             </a:r>
-            <a:endParaRPr lang="en-US" altLang="ko-KR" dirty="0" smtClean="0">
+            <a:endParaRPr lang="en-US" altLang="ko-KR" dirty="0">
               <a:effectLst>
                 <a:outerShdw blurRad="38100" dist="38100" dir="2700000" algn="tl">
                   <a:srgbClr val="000000">
@@ -3432,11 +3487,11 @@
             </a:endParaRPr>
           </a:p>
           <a:p>
-            <a:endParaRPr lang="en-US" altLang="ko-KR" dirty="0" smtClean="0"/>
-          </a:p>
-          <a:p>
-            <a:r>
-              <a:rPr lang="ko-KR" altLang="en-US" dirty="0" smtClean="0">
+            <a:endParaRPr lang="en-US" altLang="ko-KR" dirty="0"/>
+          </a:p>
+          <a:p>
+            <a:r>
+              <a:rPr lang="ko-KR" altLang="en-US" dirty="0">
                 <a:effectLst>
                   <a:outerShdw blurRad="38100" dist="38100" dir="2700000" algn="tl">
                     <a:srgbClr val="000000">
@@ -3448,7 +3503,7 @@
               <a:t>제품의 구상</a:t>
             </a:r>
             <a:r>
-              <a:rPr lang="en-US" altLang="ko-KR" dirty="0" smtClean="0">
+              <a:rPr lang="en-US" altLang="ko-KR" dirty="0">
                 <a:effectLst>
                   <a:outerShdw blurRad="38100" dist="38100" dir="2700000" algn="tl">
                     <a:srgbClr val="000000">
@@ -3460,7 +3515,7 @@
               <a:t>: </a:t>
             </a:r>
             <a:r>
-              <a:rPr lang="ko-KR" altLang="en-US" dirty="0" smtClean="0">
+              <a:rPr lang="ko-KR" altLang="en-US" dirty="0">
                 <a:effectLst>
                   <a:outerShdw blurRad="38100" dist="38100" dir="2700000" algn="tl">
                     <a:srgbClr val="000000">
@@ -3472,7 +3527,7 @@
               <a:t>색깔 인식 </a:t>
             </a:r>
             <a:r>
-              <a:rPr lang="en-US" altLang="ko-KR" dirty="0" smtClean="0">
+              <a:rPr lang="en-US" altLang="ko-KR" dirty="0">
                 <a:effectLst>
                   <a:outerShdw blurRad="38100" dist="38100" dir="2700000" algn="tl">
                     <a:srgbClr val="000000">
@@ -3484,7 +3539,7 @@
               <a:t>AI</a:t>
             </a:r>
             <a:r>
-              <a:rPr lang="ko-KR" altLang="en-US" dirty="0" smtClean="0">
+              <a:rPr lang="ko-KR" altLang="en-US" dirty="0">
                 <a:effectLst>
                   <a:outerShdw blurRad="38100" dist="38100" dir="2700000" algn="tl">
                     <a:srgbClr val="000000">
@@ -3496,7 +3551,7 @@
               <a:t>를 만들어서 색깔 별로 다르게 회전하는 모터를 만든다</a:t>
             </a:r>
             <a:r>
-              <a:rPr lang="en-US" altLang="ko-KR" dirty="0" smtClean="0">
+              <a:rPr lang="en-US" altLang="ko-KR" dirty="0">
                 <a:effectLst>
                   <a:outerShdw blurRad="38100" dist="38100" dir="2700000" algn="tl">
                     <a:srgbClr val="000000">
@@ -3521,7 +3576,7 @@
           </a:p>
           <a:p>
             <a:r>
-              <a:rPr lang="en-US" altLang="ko-KR" dirty="0" smtClean="0">
+              <a:rPr lang="en-US" altLang="ko-KR" dirty="0">
                 <a:effectLst>
                   <a:outerShdw blurRad="38100" dist="38100" dir="2700000" algn="tl">
                     <a:srgbClr val="000000">
@@ -3530,10 +3585,10 @@
                   </a:outerShdw>
                 </a:effectLst>
               </a:rPr>
-              <a:t>Python </a:t>
-            </a:r>
-            <a:r>
-              <a:rPr lang="en-US" altLang="ko-KR" dirty="0" smtClean="0">
+              <a:t>Python - </a:t>
+            </a:r>
+            <a:r>
+              <a:rPr lang="ko-KR" altLang="en-US" dirty="0">
                 <a:effectLst>
                   <a:outerShdw blurRad="38100" dist="38100" dir="2700000" algn="tl">
                     <a:srgbClr val="000000">
@@ -3542,34 +3597,10 @@
                   </a:outerShdw>
                 </a:effectLst>
               </a:rPr>
-              <a:t>- </a:t>
-            </a:r>
-            <a:r>
-              <a:rPr lang="ko-KR" altLang="en-US" dirty="0" smtClean="0">
-                <a:effectLst>
-                  <a:outerShdw blurRad="38100" dist="38100" dir="2700000" algn="tl">
-                    <a:srgbClr val="000000">
-                      <a:alpha val="43137"/>
-                    </a:srgbClr>
-                  </a:outerShdw>
-                </a:effectLst>
-              </a:rPr>
-              <a:t>색깔 </a:t>
-            </a:r>
-            <a:r>
-              <a:rPr lang="ko-KR" altLang="en-US" dirty="0" smtClean="0">
-                <a:effectLst>
-                  <a:outerShdw blurRad="38100" dist="38100" dir="2700000" algn="tl">
-                    <a:srgbClr val="000000">
-                      <a:alpha val="43137"/>
-                    </a:srgbClr>
-                  </a:outerShdw>
-                </a:effectLst>
-              </a:rPr>
-              <a:t>인식이 학습된 </a:t>
-            </a:r>
-            <a:r>
-              <a:rPr lang="en-US" altLang="ko-KR" dirty="0" smtClean="0">
+              <a:t>색깔 인식이 학습된 </a:t>
+            </a:r>
+            <a:r>
+              <a:rPr lang="en-US" altLang="ko-KR" dirty="0">
                 <a:effectLst>
                   <a:outerShdw blurRad="38100" dist="38100" dir="2700000" algn="tl">
                     <a:srgbClr val="000000">
@@ -3581,7 +3612,7 @@
               <a:t>AI </a:t>
             </a:r>
             <a:r>
-              <a:rPr lang="ko-KR" altLang="en-US" dirty="0" smtClean="0">
+              <a:rPr lang="ko-KR" altLang="en-US" dirty="0">
                 <a:effectLst>
                   <a:outerShdw blurRad="38100" dist="38100" dir="2700000" algn="tl">
                     <a:srgbClr val="000000">
@@ -3592,7 +3623,7 @@
               </a:rPr>
               <a:t>및 아두이노와의 통신</a:t>
             </a:r>
-            <a:endParaRPr lang="en-US" altLang="ko-KR" dirty="0" smtClean="0">
+            <a:endParaRPr lang="en-US" altLang="ko-KR" dirty="0">
               <a:effectLst>
                 <a:outerShdw blurRad="38100" dist="38100" dir="2700000" algn="tl">
                   <a:srgbClr val="000000">
@@ -3604,7 +3635,7 @@
           </a:p>
           <a:p>
             <a:r>
-              <a:rPr lang="en-US" altLang="ko-KR" dirty="0" smtClean="0">
+              <a:rPr lang="en-US" altLang="ko-KR" dirty="0">
                 <a:effectLst>
                   <a:outerShdw blurRad="38100" dist="38100" dir="2700000" algn="tl">
                     <a:srgbClr val="000000">
@@ -3616,7 +3647,7 @@
               <a:t>Arduino - AI</a:t>
             </a:r>
             <a:r>
-              <a:rPr lang="ko-KR" altLang="en-US" dirty="0" smtClean="0">
+              <a:rPr lang="ko-KR" altLang="en-US" dirty="0">
                 <a:effectLst>
                   <a:outerShdw blurRad="38100" dist="38100" dir="2700000" algn="tl">
                     <a:srgbClr val="000000">
@@ -3627,17 +3658,6 @@
               </a:rPr>
               <a:t>가 인식한 색깔의 정보를 바탕으로 모터의 출력 제어</a:t>
             </a:r>
-            <a:endParaRPr lang="en-US" altLang="ko-KR" dirty="0" smtClean="0">
-              <a:effectLst>
-                <a:outerShdw blurRad="38100" dist="38100" dir="2700000" algn="tl">
-                  <a:srgbClr val="000000">
-                    <a:alpha val="43137"/>
-                  </a:srgbClr>
-                </a:outerShdw>
-              </a:effectLst>
-            </a:endParaRPr>
-          </a:p>
-          <a:p>
             <a:endParaRPr lang="en-US" altLang="ko-KR" dirty="0">
               <a:effectLst>
                 <a:outerShdw blurRad="38100" dist="38100" dir="2700000" algn="tl">
@@ -3649,7 +3669,7 @@
             </a:endParaRPr>
           </a:p>
           <a:p>
-            <a:endParaRPr lang="en-US" altLang="ko-KR" dirty="0" smtClean="0">
+            <a:endParaRPr lang="en-US" altLang="ko-KR" dirty="0">
               <a:effectLst>
                 <a:outerShdw blurRad="38100" dist="38100" dir="2700000" algn="tl">
                   <a:srgbClr val="000000">
@@ -3660,7 +3680,18 @@
             </a:endParaRPr>
           </a:p>
           <a:p>
-            <a:endParaRPr lang="en-US" altLang="ko-KR" dirty="0" smtClean="0">
+            <a:endParaRPr lang="en-US" altLang="ko-KR" dirty="0">
+              <a:effectLst>
+                <a:outerShdw blurRad="38100" dist="38100" dir="2700000" algn="tl">
+                  <a:srgbClr val="000000">
+                    <a:alpha val="43137"/>
+                  </a:srgbClr>
+                </a:outerShdw>
+              </a:effectLst>
+            </a:endParaRPr>
+          </a:p>
+          <a:p>
+            <a:endParaRPr lang="en-US" altLang="ko-KR" dirty="0">
               <a:effectLst>
                 <a:outerShdw blurRad="38100" dist="38100" dir="2700000" algn="tl">
                   <a:srgbClr val="000000">
@@ -3682,13 +3713,6 @@
   <p:clrMapOvr>
     <a:masterClrMapping/>
   </p:clrMapOvr>
-  <p:timing>
-    <p:tnLst>
-      <p:par>
-        <p:cTn id="1" dur="indefinite" restart="never" nodeType="tmRoot"/>
-      </p:par>
-    </p:tnLst>
-  </p:timing>
 </p:sld>
 </file>
 
@@ -3731,7 +3755,7 @@
         </p:blipFill>
         <p:spPr>
           <a:xfrm>
-            <a:off x="252413" y="316594"/>
+            <a:off x="204787" y="287998"/>
             <a:ext cx="5667375" cy="5256798"/>
           </a:xfrm>
           <a:prstGeom prst="rect">
@@ -3753,7 +3777,7 @@
         </p:nvSpPr>
         <p:spPr>
           <a:xfrm>
-            <a:off x="252413" y="5662290"/>
+            <a:off x="107156" y="5848110"/>
             <a:ext cx="11868150" cy="1200329"/>
           </a:xfrm>
           <a:prstGeom prst="rect">
@@ -3768,7 +3792,7 @@
           <a:lstStyle/>
           <a:p>
             <a:r>
-              <a:rPr lang="ko-KR" altLang="en-US" dirty="0" smtClean="0">
+              <a:rPr lang="ko-KR" altLang="en-US" dirty="0">
                 <a:effectLst>
                   <a:outerShdw blurRad="38100" dist="38100" dir="2700000" algn="tl">
                     <a:srgbClr val="000000">
@@ -3780,7 +3804,7 @@
               <a:t>알고리즘</a:t>
             </a:r>
             <a:r>
-              <a:rPr lang="en-US" altLang="ko-KR" dirty="0" smtClean="0">
+              <a:rPr lang="en-US" altLang="ko-KR" dirty="0">
                 <a:effectLst>
                   <a:outerShdw blurRad="38100" dist="38100" dir="2700000" algn="tl">
                     <a:srgbClr val="000000">
@@ -3792,7 +3816,7 @@
               <a:t>:</a:t>
             </a:r>
             <a:r>
-              <a:rPr lang="ko-KR" altLang="en-US" dirty="0" smtClean="0">
+              <a:rPr lang="ko-KR" altLang="en-US" dirty="0">
                 <a:effectLst>
                   <a:outerShdw blurRad="38100" dist="38100" dir="2700000" algn="tl">
                     <a:srgbClr val="000000">
@@ -3804,7 +3828,7 @@
               <a:t> 초록색</a:t>
             </a:r>
             <a:r>
-              <a:rPr lang="en-US" altLang="ko-KR" dirty="0" smtClean="0">
+              <a:rPr lang="en-US" altLang="ko-KR" dirty="0">
                 <a:effectLst>
                   <a:outerShdw blurRad="38100" dist="38100" dir="2700000" algn="tl">
                     <a:srgbClr val="000000">
@@ -3816,7 +3840,7 @@
               <a:t>,</a:t>
             </a:r>
             <a:r>
-              <a:rPr lang="ko-KR" altLang="en-US" dirty="0" smtClean="0">
+              <a:rPr lang="ko-KR" altLang="en-US" dirty="0">
                 <a:effectLst>
                   <a:outerShdw blurRad="38100" dist="38100" dir="2700000" algn="tl">
                     <a:srgbClr val="000000">
@@ -3828,7 +3852,7 @@
               <a:t>노란색</a:t>
             </a:r>
             <a:r>
-              <a:rPr lang="en-US" altLang="ko-KR" dirty="0" smtClean="0">
+              <a:rPr lang="en-US" altLang="ko-KR" dirty="0">
                 <a:effectLst>
                   <a:outerShdw blurRad="38100" dist="38100" dir="2700000" algn="tl">
                     <a:srgbClr val="000000">
@@ -3840,7 +3864,7 @@
               <a:t>,</a:t>
             </a:r>
             <a:r>
-              <a:rPr lang="ko-KR" altLang="en-US" dirty="0" smtClean="0">
+              <a:rPr lang="ko-KR" altLang="en-US" dirty="0">
                 <a:effectLst>
                   <a:outerShdw blurRad="38100" dist="38100" dir="2700000" algn="tl">
                     <a:srgbClr val="000000">
@@ -3852,7 +3876,7 @@
               <a:t>빨간색 각각의 색깔을 인공지능이 스스로 구분하여 초록색을 인식하면 안전상태로 판단하여 모터가 빠르게 회전하고 노란색을 인식하면 경고 상태로 판단하여 모터가 느리게 회전하고 빨간색을 인식하면 위험상태로 판단하여 모터가 정지하게 됩니다</a:t>
             </a:r>
             <a:r>
-              <a:rPr lang="en-US" altLang="ko-KR" dirty="0" smtClean="0">
+              <a:rPr lang="en-US" altLang="ko-KR" dirty="0">
                 <a:effectLst>
                   <a:outerShdw blurRad="38100" dist="38100" dir="2700000" algn="tl">
                     <a:srgbClr val="000000">
@@ -3935,19 +3959,19 @@
           <a:lstStyle/>
           <a:p>
             <a:r>
-              <a:rPr lang="ko-KR" altLang="en-US" sz="1200" dirty="0" smtClean="0"/>
+              <a:rPr lang="ko-KR" altLang="en-US" sz="1200" dirty="0"/>
               <a:t>전원</a:t>
             </a:r>
             <a:r>
-              <a:rPr lang="en-US" altLang="ko-KR" sz="1200" dirty="0" smtClean="0"/>
+              <a:rPr lang="en-US" altLang="ko-KR" sz="1200" dirty="0"/>
               <a:t>OFF:</a:t>
             </a:r>
             <a:r>
-              <a:rPr lang="ko-KR" altLang="en-US" sz="1200" dirty="0" smtClean="0"/>
+              <a:rPr lang="ko-KR" altLang="en-US" sz="1200" dirty="0"/>
               <a:t>카메라</a:t>
             </a:r>
             <a:r>
-              <a:rPr lang="en-US" altLang="ko-KR" sz="1200" dirty="0" smtClean="0"/>
+              <a:rPr lang="en-US" altLang="ko-KR" sz="1200" dirty="0"/>
               <a:t>ON</a:t>
             </a:r>
             <a:endParaRPr lang="ko-KR" altLang="en-US" sz="1200" dirty="0"/>
@@ -4063,18 +4087,17 @@
           <a:lstStyle/>
           <a:p>
             <a:r>
-              <a:rPr lang="ko-KR" altLang="en-US" sz="1400" dirty="0" smtClean="0"/>
+              <a:rPr lang="ko-KR" altLang="en-US" sz="1400" dirty="0"/>
               <a:t>카메라 촬영시 </a:t>
             </a:r>
             <a:r>
-              <a:rPr lang="en-US" altLang="ko-KR" sz="1400" dirty="0" smtClean="0"/>
+              <a:rPr lang="en-US" altLang="ko-KR" sz="1400" dirty="0"/>
               <a:t>AI</a:t>
             </a:r>
             <a:r>
-              <a:rPr lang="ko-KR" altLang="en-US" sz="1400" dirty="0" smtClean="0"/>
+              <a:rPr lang="ko-KR" altLang="en-US" sz="1400" dirty="0"/>
               <a:t>프로그램에 송출</a:t>
             </a:r>
-            <a:endParaRPr lang="ko-KR" altLang="en-US" sz="1400" dirty="0"/>
           </a:p>
         </p:txBody>
       </p:sp>
@@ -4187,7 +4210,7 @@
           <a:lstStyle/>
           <a:p>
             <a:r>
-              <a:rPr lang="en-US" altLang="ko-KR" dirty="0" smtClean="0"/>
+              <a:rPr lang="en-US" altLang="ko-KR" dirty="0"/>
               <a:t>          AI</a:t>
             </a:r>
             <a:endParaRPr lang="ko-KR" altLang="en-US" dirty="0"/>
@@ -4217,30 +4240,26 @@
           <a:lstStyle/>
           <a:p>
             <a:r>
-              <a:rPr lang="en-US" altLang="ko-KR" dirty="0" smtClean="0"/>
+              <a:rPr lang="en-US" altLang="ko-KR" dirty="0"/>
               <a:t>   </a:t>
             </a:r>
             <a:r>
-              <a:rPr lang="ko-KR" altLang="en-US" sz="1000" dirty="0" smtClean="0"/>
+              <a:rPr lang="ko-KR" altLang="en-US" sz="1000" dirty="0"/>
               <a:t>카메라에 의해 투입된 </a:t>
             </a:r>
-            <a:endParaRPr lang="en-US" altLang="ko-KR" sz="1000" dirty="0" smtClean="0"/>
+            <a:endParaRPr lang="en-US" altLang="ko-KR" sz="1000" dirty="0"/>
           </a:p>
           <a:p>
             <a:r>
               <a:rPr lang="en-US" altLang="ko-KR" sz="1000" dirty="0"/>
-              <a:t> </a:t>
-            </a:r>
-            <a:r>
-              <a:rPr lang="en-US" altLang="ko-KR" sz="1000" dirty="0" smtClean="0"/>
-              <a:t>    </a:t>
-            </a:r>
-            <a:r>
-              <a:rPr lang="ko-KR" altLang="en-US" sz="1000" dirty="0" smtClean="0"/>
+              <a:t>     </a:t>
+            </a:r>
+            <a:r>
+              <a:rPr lang="ko-KR" altLang="en-US" sz="1000" dirty="0"/>
               <a:t>화면이 어느색에 가까운가</a:t>
             </a:r>
             <a:r>
-              <a:rPr lang="en-US" altLang="ko-KR" sz="1000" dirty="0" smtClean="0"/>
+              <a:rPr lang="en-US" altLang="ko-KR" sz="1000" dirty="0"/>
               <a:t>?</a:t>
             </a:r>
             <a:endParaRPr lang="ko-KR" altLang="en-US" dirty="0"/>
@@ -4571,24 +4590,23 @@
           <a:lstStyle/>
           <a:p>
             <a:r>
-              <a:rPr lang="ko-KR" altLang="en-US" sz="800" dirty="0" smtClean="0"/>
+              <a:rPr lang="ko-KR" altLang="en-US" sz="800" dirty="0"/>
               <a:t>       </a:t>
             </a:r>
             <a:r>
-              <a:rPr lang="ko-KR" altLang="en-US" sz="1000" dirty="0" smtClean="0"/>
+              <a:rPr lang="ko-KR" altLang="en-US" sz="1000" dirty="0"/>
               <a:t>위험결과</a:t>
             </a:r>
-            <a:endParaRPr lang="en-US" altLang="ko-KR" sz="1000" dirty="0" smtClean="0"/>
-          </a:p>
-          <a:p>
             <a:endParaRPr lang="en-US" altLang="ko-KR" sz="1000" dirty="0"/>
           </a:p>
           <a:p>
-            <a:r>
-              <a:rPr lang="ko-KR" altLang="en-US" sz="1000" dirty="0" smtClean="0"/>
+            <a:endParaRPr lang="en-US" altLang="ko-KR" sz="1000" dirty="0"/>
+          </a:p>
+          <a:p>
+            <a:r>
+              <a:rPr lang="ko-KR" altLang="en-US" sz="1000" dirty="0"/>
               <a:t> 아두이노 입력 </a:t>
             </a:r>
-            <a:endParaRPr lang="ko-KR" altLang="en-US" sz="1000" dirty="0"/>
           </a:p>
         </p:txBody>
       </p:sp>
@@ -4615,24 +4633,23 @@
           <a:lstStyle/>
           <a:p>
             <a:r>
-              <a:rPr lang="ko-KR" altLang="en-US" sz="800" dirty="0" smtClean="0"/>
+              <a:rPr lang="ko-KR" altLang="en-US" sz="800" dirty="0"/>
               <a:t>       </a:t>
             </a:r>
             <a:r>
-              <a:rPr lang="ko-KR" altLang="en-US" sz="1000" dirty="0" smtClean="0"/>
+              <a:rPr lang="ko-KR" altLang="en-US" sz="1000" dirty="0"/>
               <a:t>경고결과</a:t>
             </a:r>
-            <a:endParaRPr lang="en-US" altLang="ko-KR" sz="1000" dirty="0" smtClean="0"/>
-          </a:p>
-          <a:p>
             <a:endParaRPr lang="en-US" altLang="ko-KR" sz="1000" dirty="0"/>
           </a:p>
           <a:p>
-            <a:r>
-              <a:rPr lang="ko-KR" altLang="en-US" sz="1000" dirty="0" smtClean="0"/>
+            <a:endParaRPr lang="en-US" altLang="ko-KR" sz="1000" dirty="0"/>
+          </a:p>
+          <a:p>
+            <a:r>
+              <a:rPr lang="ko-KR" altLang="en-US" sz="1000" dirty="0"/>
               <a:t> 아두이노 입력 </a:t>
             </a:r>
-            <a:endParaRPr lang="ko-KR" altLang="en-US" sz="1000" dirty="0"/>
           </a:p>
         </p:txBody>
       </p:sp>
@@ -4659,24 +4676,23 @@
           <a:lstStyle/>
           <a:p>
             <a:r>
-              <a:rPr lang="ko-KR" altLang="en-US" sz="800" dirty="0" smtClean="0"/>
+              <a:rPr lang="ko-KR" altLang="en-US" sz="800" dirty="0"/>
               <a:t>       </a:t>
             </a:r>
             <a:r>
-              <a:rPr lang="ko-KR" altLang="en-US" sz="1000" dirty="0" smtClean="0"/>
+              <a:rPr lang="ko-KR" altLang="en-US" sz="1000" dirty="0"/>
               <a:t>안전결과</a:t>
             </a:r>
-            <a:endParaRPr lang="en-US" altLang="ko-KR" sz="1000" dirty="0" smtClean="0"/>
-          </a:p>
-          <a:p>
             <a:endParaRPr lang="en-US" altLang="ko-KR" sz="1000" dirty="0"/>
           </a:p>
           <a:p>
-            <a:r>
-              <a:rPr lang="ko-KR" altLang="en-US" sz="1000" dirty="0" smtClean="0"/>
+            <a:endParaRPr lang="en-US" altLang="ko-KR" sz="1000" dirty="0"/>
+          </a:p>
+          <a:p>
+            <a:r>
+              <a:rPr lang="ko-KR" altLang="en-US" sz="1000" dirty="0"/>
               <a:t> 아두이노 입력 </a:t>
             </a:r>
-            <a:endParaRPr lang="ko-KR" altLang="en-US" sz="1000" dirty="0"/>
           </a:p>
         </p:txBody>
       </p:sp>
@@ -4952,25 +4968,20 @@
           <a:lstStyle/>
           <a:p>
             <a:r>
-              <a:rPr lang="ko-KR" altLang="en-US" dirty="0" smtClean="0"/>
+              <a:rPr lang="ko-KR" altLang="en-US" dirty="0"/>
               <a:t>     </a:t>
             </a:r>
-            <a:endParaRPr lang="en-US" altLang="ko-KR" dirty="0" smtClean="0"/>
+            <a:endParaRPr lang="en-US" altLang="ko-KR" dirty="0"/>
           </a:p>
           <a:p>
             <a:r>
               <a:rPr lang="en-US" altLang="ko-KR" dirty="0"/>
-              <a:t> </a:t>
-            </a:r>
-            <a:r>
-              <a:rPr lang="en-US" altLang="ko-KR" dirty="0" smtClean="0"/>
-              <a:t>    </a:t>
-            </a:r>
-            <a:r>
-              <a:rPr lang="ko-KR" altLang="en-US" dirty="0" smtClean="0"/>
+              <a:t>     </a:t>
+            </a:r>
+            <a:r>
+              <a:rPr lang="ko-KR" altLang="en-US" dirty="0"/>
               <a:t>모터정지</a:t>
             </a:r>
-            <a:endParaRPr lang="ko-KR" altLang="en-US" dirty="0"/>
           </a:p>
         </p:txBody>
       </p:sp>
@@ -4997,21 +5008,20 @@
           <a:lstStyle/>
           <a:p>
             <a:r>
-              <a:rPr lang="ko-KR" altLang="en-US" dirty="0" smtClean="0"/>
+              <a:rPr lang="ko-KR" altLang="en-US" dirty="0"/>
               <a:t>     </a:t>
             </a:r>
-            <a:endParaRPr lang="en-US" altLang="ko-KR" dirty="0" smtClean="0"/>
-          </a:p>
-          <a:p>
-            <a:r>
-              <a:rPr lang="en-US" altLang="ko-KR" dirty="0" smtClean="0"/>
+            <a:endParaRPr lang="en-US" altLang="ko-KR" dirty="0"/>
+          </a:p>
+          <a:p>
+            <a:r>
+              <a:rPr lang="en-US" altLang="ko-KR" dirty="0"/>
               <a:t> </a:t>
             </a:r>
             <a:r>
-              <a:rPr lang="ko-KR" altLang="en-US" dirty="0" smtClean="0"/>
+              <a:rPr lang="ko-KR" altLang="en-US" dirty="0"/>
               <a:t>모터저속회전</a:t>
             </a:r>
-            <a:endParaRPr lang="ko-KR" altLang="en-US" dirty="0"/>
           </a:p>
         </p:txBody>
       </p:sp>
@@ -5038,17 +5048,16 @@
           <a:lstStyle/>
           <a:p>
             <a:r>
-              <a:rPr lang="ko-KR" altLang="en-US" dirty="0" smtClean="0"/>
+              <a:rPr lang="ko-KR" altLang="en-US" dirty="0"/>
               <a:t>     </a:t>
             </a:r>
-            <a:endParaRPr lang="en-US" altLang="ko-KR" dirty="0" smtClean="0"/>
-          </a:p>
-          <a:p>
-            <a:r>
-              <a:rPr lang="ko-KR" altLang="en-US" dirty="0" smtClean="0"/>
+            <a:endParaRPr lang="en-US" altLang="ko-KR" dirty="0"/>
+          </a:p>
+          <a:p>
+            <a:r>
+              <a:rPr lang="ko-KR" altLang="en-US" dirty="0"/>
               <a:t> 모터고속회전</a:t>
             </a:r>
-            <a:endParaRPr lang="ko-KR" altLang="en-US" dirty="0"/>
           </a:p>
         </p:txBody>
       </p:sp>
@@ -5062,13 +5071,2283 @@
   <p:clrMapOvr>
     <a:masterClrMapping/>
   </p:clrMapOvr>
-  <p:timing>
-    <p:tnLst>
-      <p:par>
-        <p:cTn id="1" dur="indefinite" restart="never" nodeType="tmRoot"/>
-      </p:par>
-    </p:tnLst>
-  </p:timing>
+</p:sld>
+</file>
+
+<file path=ppt/slides/slide4.xml><?xml version="1.0" encoding="utf-8"?>
+<p:sld xmlns:a="http://schemas.openxmlformats.org/drawingml/2006/main" xmlns:r="http://schemas.openxmlformats.org/officeDocument/2006/relationships" xmlns:p="http://schemas.openxmlformats.org/presentationml/2006/main">
+  <p:cSld>
+    <p:spTree>
+      <p:nvGrpSpPr>
+        <p:cNvPr id="1" name=""/>
+        <p:cNvGrpSpPr/>
+        <p:nvPr/>
+      </p:nvGrpSpPr>
+      <p:grpSpPr>
+        <a:xfrm>
+          <a:off x="0" y="0"/>
+          <a:ext cx="0" cy="0"/>
+          <a:chOff x="0" y="0"/>
+          <a:chExt cx="0" cy="0"/>
+        </a:xfrm>
+      </p:grpSpPr>
+      <p:sp>
+        <p:nvSpPr>
+          <p:cNvPr id="2" name="제목 1">
+            <a:extLst>
+              <a:ext uri="{FF2B5EF4-FFF2-40B4-BE49-F238E27FC236}">
+                <a16:creationId xmlns:a16="http://schemas.microsoft.com/office/drawing/2014/main" id="{B069BC30-A200-49A5-BE7A-7B6E6BF68F9A}"/>
+              </a:ext>
+            </a:extLst>
+          </p:cNvPr>
+          <p:cNvSpPr>
+            <a:spLocks noGrp="1"/>
+          </p:cNvSpPr>
+          <p:nvPr>
+            <p:ph type="title"/>
+          </p:nvPr>
+        </p:nvSpPr>
+        <p:spPr/>
+        <p:txBody>
+          <a:bodyPr/>
+          <a:lstStyle/>
+          <a:p>
+            <a:r>
+              <a:rPr lang="ko-KR" altLang="en-US" dirty="0">
+                <a:effectLst>
+                  <a:outerShdw blurRad="38100" dist="38100" dir="2700000" algn="tl">
+                    <a:srgbClr val="000000">
+                      <a:alpha val="43137"/>
+                    </a:srgbClr>
+                  </a:outerShdw>
+                </a:effectLst>
+              </a:rPr>
+              <a:t>위 프로젝트의 실패 원인</a:t>
+            </a:r>
+          </a:p>
+        </p:txBody>
+      </p:sp>
+      <p:sp>
+        <p:nvSpPr>
+          <p:cNvPr id="3" name="내용 개체 틀 2">
+            <a:extLst>
+              <a:ext uri="{FF2B5EF4-FFF2-40B4-BE49-F238E27FC236}">
+                <a16:creationId xmlns:a16="http://schemas.microsoft.com/office/drawing/2014/main" id="{EC076DEF-51A2-4ABD-8566-E8E4A0B7505A}"/>
+              </a:ext>
+            </a:extLst>
+          </p:cNvPr>
+          <p:cNvSpPr>
+            <a:spLocks noGrp="1"/>
+          </p:cNvSpPr>
+          <p:nvPr>
+            <p:ph idx="1"/>
+          </p:nvPr>
+        </p:nvSpPr>
+        <p:spPr>
+          <a:xfrm>
+            <a:off x="838200" y="1803399"/>
+            <a:ext cx="10515600" cy="4351337"/>
+          </a:xfrm>
+        </p:spPr>
+        <p:txBody>
+          <a:bodyPr/>
+          <a:lstStyle/>
+          <a:p>
+            <a:pPr marL="0" indent="0">
+              <a:buNone/>
+            </a:pPr>
+            <a:r>
+              <a:rPr lang="en-US" altLang="ko-KR" dirty="0"/>
+              <a:t>1.AI </a:t>
+            </a:r>
+            <a:r>
+              <a:rPr lang="ko-KR" altLang="en-US" dirty="0"/>
+              <a:t>정확도가 부족하다</a:t>
+            </a:r>
+            <a:endParaRPr lang="en-US" altLang="ko-KR" dirty="0"/>
+          </a:p>
+          <a:p>
+            <a:pPr marL="0" indent="0">
+              <a:buNone/>
+            </a:pPr>
+            <a:r>
+              <a:rPr lang="en-US" altLang="ko-KR" dirty="0"/>
+              <a:t>2.</a:t>
+            </a:r>
+            <a:r>
+              <a:rPr lang="ko-KR" altLang="en-US" dirty="0"/>
+              <a:t>정확도를 올리기 위해서는 많은 양의 데이터가 필요하다</a:t>
+            </a:r>
+            <a:endParaRPr lang="en-US" altLang="ko-KR" dirty="0"/>
+          </a:p>
+          <a:p>
+            <a:pPr marL="0" indent="0">
+              <a:buNone/>
+            </a:pPr>
+            <a:r>
+              <a:rPr lang="en-US" altLang="ko-KR" dirty="0"/>
+              <a:t>3.</a:t>
+            </a:r>
+            <a:r>
+              <a:rPr lang="ko-KR" altLang="en-US" dirty="0"/>
+              <a:t>만약 동시에 두가지 이상의 색이 들어오면 어떤 색을 우선할지에  대한 문제점이 있다</a:t>
+            </a:r>
+            <a:r>
+              <a:rPr lang="en-US" altLang="ko-KR" dirty="0"/>
+              <a:t>.</a:t>
+            </a:r>
+          </a:p>
+          <a:p>
+            <a:endParaRPr lang="ko-KR" altLang="en-US" dirty="0"/>
+          </a:p>
+        </p:txBody>
+      </p:sp>
+    </p:spTree>
+    <p:extLst>
+      <p:ext uri="{BB962C8B-B14F-4D97-AF65-F5344CB8AC3E}">
+        <p14:creationId xmlns:p14="http://schemas.microsoft.com/office/powerpoint/2010/main" val="865799640"/>
+      </p:ext>
+    </p:extLst>
+  </p:cSld>
+  <p:clrMapOvr>
+    <a:masterClrMapping/>
+  </p:clrMapOvr>
+</p:sld>
+</file>
+
+<file path=ppt/slides/slide5.xml><?xml version="1.0" encoding="utf-8"?>
+<p:sld xmlns:a="http://schemas.openxmlformats.org/drawingml/2006/main" xmlns:r="http://schemas.openxmlformats.org/officeDocument/2006/relationships" xmlns:p="http://schemas.openxmlformats.org/presentationml/2006/main">
+  <p:cSld>
+    <p:spTree>
+      <p:nvGrpSpPr>
+        <p:cNvPr id="1" name=""/>
+        <p:cNvGrpSpPr/>
+        <p:nvPr/>
+      </p:nvGrpSpPr>
+      <p:grpSpPr>
+        <a:xfrm>
+          <a:off x="0" y="0"/>
+          <a:ext cx="0" cy="0"/>
+          <a:chOff x="0" y="0"/>
+          <a:chExt cx="0" cy="0"/>
+        </a:xfrm>
+      </p:grpSpPr>
+      <p:sp>
+        <p:nvSpPr>
+          <p:cNvPr id="2" name="제목 1">
+            <a:extLst>
+              <a:ext uri="{FF2B5EF4-FFF2-40B4-BE49-F238E27FC236}">
+                <a16:creationId xmlns:a16="http://schemas.microsoft.com/office/drawing/2014/main" id="{0B062F73-C8B9-442B-86CE-63692D92EB78}"/>
+              </a:ext>
+            </a:extLst>
+          </p:cNvPr>
+          <p:cNvSpPr>
+            <a:spLocks noGrp="1"/>
+          </p:cNvSpPr>
+          <p:nvPr>
+            <p:ph type="title"/>
+          </p:nvPr>
+        </p:nvSpPr>
+        <p:spPr/>
+        <p:txBody>
+          <a:bodyPr/>
+          <a:lstStyle/>
+          <a:p>
+            <a:r>
+              <a:rPr lang="ko-KR" altLang="en-US" dirty="0">
+                <a:effectLst>
+                  <a:outerShdw blurRad="38100" dist="38100" dir="2700000" algn="tl">
+                    <a:srgbClr val="000000">
+                      <a:alpha val="43137"/>
+                    </a:srgbClr>
+                  </a:outerShdw>
+                </a:effectLst>
+              </a:rPr>
+              <a:t>차선책</a:t>
+            </a:r>
+          </a:p>
+        </p:txBody>
+      </p:sp>
+      <p:sp>
+        <p:nvSpPr>
+          <p:cNvPr id="3" name="내용 개체 틀 2">
+            <a:extLst>
+              <a:ext uri="{FF2B5EF4-FFF2-40B4-BE49-F238E27FC236}">
+                <a16:creationId xmlns:a16="http://schemas.microsoft.com/office/drawing/2014/main" id="{231E9F2B-0F01-4031-B3CE-C0FFF872ED2F}"/>
+              </a:ext>
+            </a:extLst>
+          </p:cNvPr>
+          <p:cNvSpPr>
+            <a:spLocks noGrp="1"/>
+          </p:cNvSpPr>
+          <p:nvPr>
+            <p:ph idx="1"/>
+          </p:nvPr>
+        </p:nvSpPr>
+        <p:spPr/>
+        <p:txBody>
+          <a:bodyPr/>
+          <a:lstStyle/>
+          <a:p>
+            <a:r>
+              <a:rPr lang="ko-KR" altLang="en-US" dirty="0"/>
+              <a:t>음성인식을 이용한 간단한 감정표현</a:t>
+            </a:r>
+            <a:r>
+              <a:rPr lang="en-US" altLang="ko-KR" dirty="0"/>
+              <a:t>(</a:t>
+            </a:r>
+            <a:r>
+              <a:rPr lang="ko-KR" altLang="en-US" dirty="0"/>
+              <a:t>램프</a:t>
+            </a:r>
+            <a:r>
+              <a:rPr lang="en-US" altLang="ko-KR" dirty="0"/>
+              <a:t>)</a:t>
+            </a:r>
+          </a:p>
+          <a:p>
+            <a:r>
+              <a:rPr lang="ko-KR" altLang="en-US" dirty="0"/>
+              <a:t>알고리즘</a:t>
+            </a:r>
+            <a:r>
+              <a:rPr lang="en-US" altLang="ko-KR" dirty="0"/>
+              <a:t>: </a:t>
+            </a:r>
+            <a:r>
+              <a:rPr lang="ko-KR" altLang="en-US" dirty="0"/>
+              <a:t>특정한 단어를 말하고 </a:t>
+            </a:r>
+            <a:r>
+              <a:rPr lang="en-US" altLang="ko-KR" dirty="0"/>
+              <a:t>AI</a:t>
+            </a:r>
+            <a:r>
+              <a:rPr lang="ko-KR" altLang="en-US" dirty="0"/>
+              <a:t>가 단어에 대한 값을 아두이노로 전송하여 </a:t>
+            </a:r>
+            <a:r>
+              <a:rPr lang="ko-KR" altLang="en-US" dirty="0" smtClean="0"/>
+              <a:t>도트매트릭스</a:t>
+            </a:r>
+            <a:r>
+              <a:rPr lang="ko-KR" altLang="en-US" dirty="0" smtClean="0"/>
+              <a:t>로 </a:t>
+            </a:r>
+            <a:r>
+              <a:rPr lang="ko-KR" altLang="en-US" dirty="0"/>
+              <a:t>간단한 표정을 짓게한다</a:t>
+            </a:r>
+            <a:endParaRPr lang="en-US" altLang="ko-KR" dirty="0"/>
+          </a:p>
+          <a:p>
+            <a:endParaRPr lang="ko-KR" altLang="en-US" dirty="0"/>
+          </a:p>
+        </p:txBody>
+      </p:sp>
+      <p:pic>
+        <p:nvPicPr>
+          <p:cNvPr id="5" name="그림 4">
+            <a:extLst>
+              <a:ext uri="{FF2B5EF4-FFF2-40B4-BE49-F238E27FC236}">
+                <a16:creationId xmlns:a16="http://schemas.microsoft.com/office/drawing/2014/main" id="{2BC16A39-76CA-4DCE-9C82-DE04696533AF}"/>
+              </a:ext>
+            </a:extLst>
+          </p:cNvPr>
+          <p:cNvPicPr>
+            <a:picLocks noChangeAspect="1"/>
+          </p:cNvPicPr>
+          <p:nvPr/>
+        </p:nvPicPr>
+        <p:blipFill>
+          <a:blip r:embed="rId2">
+            <a:extLst>
+              <a:ext uri="{28A0092B-C50C-407E-A947-70E740481C1C}">
+                <a14:useLocalDpi xmlns:a14="http://schemas.microsoft.com/office/drawing/2010/main" val="0"/>
+              </a:ext>
+            </a:extLst>
+          </a:blip>
+          <a:stretch>
+            <a:fillRect/>
+          </a:stretch>
+        </p:blipFill>
+        <p:spPr>
+          <a:xfrm>
+            <a:off x="1610782" y="3142985"/>
+            <a:ext cx="2857500" cy="2857500"/>
+          </a:xfrm>
+          <a:prstGeom prst="rect">
+            <a:avLst/>
+          </a:prstGeom>
+        </p:spPr>
+      </p:pic>
+      <p:pic>
+        <p:nvPicPr>
+          <p:cNvPr id="7" name="그림 6">
+            <a:extLst>
+              <a:ext uri="{FF2B5EF4-FFF2-40B4-BE49-F238E27FC236}">
+                <a16:creationId xmlns:a16="http://schemas.microsoft.com/office/drawing/2014/main" id="{A7AAF998-DA2A-4894-A340-A8CA31C28D7C}"/>
+              </a:ext>
+            </a:extLst>
+          </p:cNvPr>
+          <p:cNvPicPr>
+            <a:picLocks noChangeAspect="1"/>
+          </p:cNvPicPr>
+          <p:nvPr/>
+        </p:nvPicPr>
+        <p:blipFill>
+          <a:blip r:embed="rId2">
+            <a:extLst>
+              <a:ext uri="{28A0092B-C50C-407E-A947-70E740481C1C}">
+                <a14:useLocalDpi xmlns:a14="http://schemas.microsoft.com/office/drawing/2010/main" val="0"/>
+              </a:ext>
+            </a:extLst>
+          </a:blip>
+          <a:stretch>
+            <a:fillRect/>
+          </a:stretch>
+        </p:blipFill>
+        <p:spPr>
+          <a:xfrm>
+            <a:off x="6623050" y="3142985"/>
+            <a:ext cx="2857500" cy="2857500"/>
+          </a:xfrm>
+          <a:prstGeom prst="rect">
+            <a:avLst/>
+          </a:prstGeom>
+        </p:spPr>
+      </p:pic>
+    </p:spTree>
+    <p:extLst>
+      <p:ext uri="{BB962C8B-B14F-4D97-AF65-F5344CB8AC3E}">
+        <p14:creationId xmlns:p14="http://schemas.microsoft.com/office/powerpoint/2010/main" val="2914591196"/>
+      </p:ext>
+    </p:extLst>
+  </p:cSld>
+  <p:clrMapOvr>
+    <a:masterClrMapping/>
+  </p:clrMapOvr>
+</p:sld>
+</file>
+
+<file path=ppt/slides/slide6.xml><?xml version="1.0" encoding="utf-8"?>
+<p:sld xmlns:a="http://schemas.openxmlformats.org/drawingml/2006/main" xmlns:r="http://schemas.openxmlformats.org/officeDocument/2006/relationships" xmlns:p="http://schemas.openxmlformats.org/presentationml/2006/main">
+  <p:cSld>
+    <p:spTree>
+      <p:nvGrpSpPr>
+        <p:cNvPr id="1" name=""/>
+        <p:cNvGrpSpPr/>
+        <p:nvPr/>
+      </p:nvGrpSpPr>
+      <p:grpSpPr>
+        <a:xfrm>
+          <a:off x="0" y="0"/>
+          <a:ext cx="0" cy="0"/>
+          <a:chOff x="0" y="0"/>
+          <a:chExt cx="0" cy="0"/>
+        </a:xfrm>
+      </p:grpSpPr>
+      <p:sp>
+        <p:nvSpPr>
+          <p:cNvPr id="2" name="제목 1">
+            <a:extLst>
+              <a:ext uri="{FF2B5EF4-FFF2-40B4-BE49-F238E27FC236}">
+                <a16:creationId xmlns:a16="http://schemas.microsoft.com/office/drawing/2014/main" id="{BE55DE46-B63A-4548-8A09-039EC404396F}"/>
+              </a:ext>
+            </a:extLst>
+          </p:cNvPr>
+          <p:cNvSpPr>
+            <a:spLocks noGrp="1"/>
+          </p:cNvSpPr>
+          <p:nvPr>
+            <p:ph type="title"/>
+          </p:nvPr>
+        </p:nvSpPr>
+        <p:spPr>
+          <a:xfrm>
+            <a:off x="845127" y="365760"/>
+            <a:ext cx="10515600" cy="1325562"/>
+          </a:xfrm>
+        </p:spPr>
+        <p:txBody>
+          <a:bodyPr/>
+          <a:lstStyle/>
+          <a:p>
+            <a:r>
+              <a:rPr lang="ko-KR" altLang="en-US" dirty="0">
+                <a:effectLst>
+                  <a:outerShdw blurRad="38100" dist="38100" dir="2700000" algn="tl">
+                    <a:srgbClr val="000000">
+                      <a:alpha val="43137"/>
+                    </a:srgbClr>
+                  </a:outerShdw>
+                </a:effectLst>
+              </a:rPr>
+              <a:t>위 프로젝트의 실패 원인</a:t>
+            </a:r>
+          </a:p>
+        </p:txBody>
+      </p:sp>
+      <p:sp>
+        <p:nvSpPr>
+          <p:cNvPr id="3" name="내용 개체 틀 2">
+            <a:extLst>
+              <a:ext uri="{FF2B5EF4-FFF2-40B4-BE49-F238E27FC236}">
+                <a16:creationId xmlns:a16="http://schemas.microsoft.com/office/drawing/2014/main" id="{55936B61-8F0A-48D4-851F-9E07564D986B}"/>
+              </a:ext>
+            </a:extLst>
+          </p:cNvPr>
+          <p:cNvSpPr>
+            <a:spLocks noGrp="1"/>
+          </p:cNvSpPr>
+          <p:nvPr>
+            <p:ph idx="1"/>
+          </p:nvPr>
+        </p:nvSpPr>
+        <p:spPr/>
+        <p:txBody>
+          <a:bodyPr/>
+          <a:lstStyle/>
+          <a:p>
+            <a:r>
+              <a:rPr lang="en-US" altLang="ko-KR" dirty="0"/>
+              <a:t>1.AI</a:t>
+            </a:r>
+            <a:r>
+              <a:rPr lang="ko-KR" altLang="en-US" dirty="0"/>
+              <a:t>를 만들다 보니 구글에서 제공되는 </a:t>
+            </a:r>
+            <a:r>
+              <a:rPr lang="en-US" altLang="ko-KR" dirty="0"/>
+              <a:t>API</a:t>
+            </a:r>
+            <a:r>
+              <a:rPr lang="ko-KR" altLang="en-US" dirty="0"/>
+              <a:t>를 사용하면 단순 조건 </a:t>
+            </a:r>
+            <a:r>
+              <a:rPr lang="en-US" altLang="ko-KR" dirty="0"/>
+              <a:t>IF</a:t>
+            </a:r>
+            <a:r>
+              <a:rPr lang="ko-KR" altLang="en-US" dirty="0"/>
+              <a:t>문이 되어버린다</a:t>
+            </a:r>
+            <a:r>
+              <a:rPr lang="en-US" altLang="ko-KR" dirty="0"/>
+              <a:t>.</a:t>
+            </a:r>
+          </a:p>
+          <a:p>
+            <a:r>
+              <a:rPr lang="en-US" altLang="ko-KR" dirty="0"/>
+              <a:t>2.</a:t>
+            </a:r>
+            <a:r>
+              <a:rPr lang="ko-KR" altLang="en-US" dirty="0"/>
+              <a:t>음성인식 </a:t>
+            </a:r>
+            <a:r>
+              <a:rPr lang="en-US" altLang="ko-KR" dirty="0"/>
+              <a:t>AI</a:t>
+            </a:r>
+            <a:r>
+              <a:rPr lang="ko-KR" altLang="en-US" dirty="0"/>
+              <a:t>를 학습시키고 동작 시키려고 하니 많은 양의 데이터가 필요하다</a:t>
+            </a:r>
+            <a:r>
+              <a:rPr lang="en-US" altLang="ko-KR" dirty="0"/>
+              <a:t>.</a:t>
+            </a:r>
+          </a:p>
+          <a:p>
+            <a:r>
+              <a:rPr lang="en-US" altLang="ko-KR" dirty="0"/>
+              <a:t>3.</a:t>
+            </a:r>
+            <a:r>
+              <a:rPr lang="ko-KR" altLang="en-US" dirty="0"/>
+              <a:t>참고자료</a:t>
+            </a:r>
+            <a:r>
+              <a:rPr lang="en-US" altLang="ko-KR" dirty="0"/>
+              <a:t>,</a:t>
+            </a:r>
+            <a:r>
+              <a:rPr lang="ko-KR" altLang="en-US" dirty="0"/>
+              <a:t>소스가 부족하여 제작에 차질이 있다</a:t>
+            </a:r>
+            <a:r>
+              <a:rPr lang="en-US" altLang="ko-KR" dirty="0"/>
+              <a:t>.</a:t>
+            </a:r>
+            <a:endParaRPr lang="ko-KR" altLang="en-US" dirty="0"/>
+          </a:p>
+        </p:txBody>
+      </p:sp>
+    </p:spTree>
+    <p:extLst>
+      <p:ext uri="{BB962C8B-B14F-4D97-AF65-F5344CB8AC3E}">
+        <p14:creationId xmlns:p14="http://schemas.microsoft.com/office/powerpoint/2010/main" val="2602109733"/>
+      </p:ext>
+    </p:extLst>
+  </p:cSld>
+  <p:clrMapOvr>
+    <a:masterClrMapping/>
+  </p:clrMapOvr>
+</p:sld>
+</file>
+
+<file path=ppt/slides/slide7.xml><?xml version="1.0" encoding="utf-8"?>
+<p:sld xmlns:a="http://schemas.openxmlformats.org/drawingml/2006/main" xmlns:r="http://schemas.openxmlformats.org/officeDocument/2006/relationships" xmlns:p="http://schemas.openxmlformats.org/presentationml/2006/main">
+  <p:cSld>
+    <p:spTree>
+      <p:nvGrpSpPr>
+        <p:cNvPr id="1" name=""/>
+        <p:cNvGrpSpPr/>
+        <p:nvPr/>
+      </p:nvGrpSpPr>
+      <p:grpSpPr>
+        <a:xfrm>
+          <a:off x="0" y="0"/>
+          <a:ext cx="0" cy="0"/>
+          <a:chOff x="0" y="0"/>
+          <a:chExt cx="0" cy="0"/>
+        </a:xfrm>
+      </p:grpSpPr>
+      <p:sp>
+        <p:nvSpPr>
+          <p:cNvPr id="2" name="제목 1">
+            <a:extLst>
+              <a:ext uri="{FF2B5EF4-FFF2-40B4-BE49-F238E27FC236}">
+                <a16:creationId xmlns:a16="http://schemas.microsoft.com/office/drawing/2014/main" id="{CDCF8556-BF56-4BBF-BCB3-6AC4FEB7A80B}"/>
+              </a:ext>
+            </a:extLst>
+          </p:cNvPr>
+          <p:cNvSpPr>
+            <a:spLocks noGrp="1"/>
+          </p:cNvSpPr>
+          <p:nvPr>
+            <p:ph type="title"/>
+          </p:nvPr>
+        </p:nvSpPr>
+        <p:spPr/>
+        <p:txBody>
+          <a:bodyPr/>
+          <a:lstStyle/>
+          <a:p>
+            <a:r>
+              <a:rPr lang="ko-KR" altLang="en-US" dirty="0">
+                <a:effectLst>
+                  <a:outerShdw blurRad="38100" dist="38100" dir="2700000" algn="tl">
+                    <a:srgbClr val="000000">
+                      <a:alpha val="43137"/>
+                    </a:srgbClr>
+                  </a:outerShdw>
+                </a:effectLst>
+              </a:rPr>
+              <a:t>차선책</a:t>
+            </a:r>
+          </a:p>
+        </p:txBody>
+      </p:sp>
+      <p:sp>
+        <p:nvSpPr>
+          <p:cNvPr id="3" name="내용 개체 틀 2">
+            <a:extLst>
+              <a:ext uri="{FF2B5EF4-FFF2-40B4-BE49-F238E27FC236}">
+                <a16:creationId xmlns:a16="http://schemas.microsoft.com/office/drawing/2014/main" id="{B1DC01F2-A5F6-48B7-A146-C5730A03F248}"/>
+              </a:ext>
+            </a:extLst>
+          </p:cNvPr>
+          <p:cNvSpPr>
+            <a:spLocks noGrp="1"/>
+          </p:cNvSpPr>
+          <p:nvPr>
+            <p:ph idx="1"/>
+          </p:nvPr>
+        </p:nvSpPr>
+        <p:spPr/>
+        <p:txBody>
+          <a:bodyPr/>
+          <a:lstStyle/>
+          <a:p>
+            <a:r>
+              <a:rPr lang="ko-KR" altLang="en-US" dirty="0"/>
+              <a:t>색깔 인식 </a:t>
+            </a:r>
+            <a:r>
+              <a:rPr lang="en-US" altLang="ko-KR" dirty="0"/>
+              <a:t>AI</a:t>
+            </a:r>
+          </a:p>
+          <a:p>
+            <a:r>
+              <a:rPr lang="ko-KR" altLang="en-US" dirty="0"/>
+              <a:t>제품의구상</a:t>
+            </a:r>
+            <a:r>
+              <a:rPr lang="en-US" altLang="ko-KR" dirty="0"/>
+              <a:t>:</a:t>
+            </a:r>
+            <a:r>
+              <a:rPr lang="ko-KR" altLang="en-US" dirty="0"/>
+              <a:t>색깔 인식 </a:t>
+            </a:r>
+            <a:r>
+              <a:rPr lang="en-US" altLang="ko-KR" dirty="0"/>
+              <a:t>AI</a:t>
+            </a:r>
+            <a:r>
+              <a:rPr lang="ko-KR" altLang="en-US" dirty="0"/>
+              <a:t>를 만들어 </a:t>
+            </a:r>
+            <a:r>
+              <a:rPr lang="ko-KR" altLang="en-US" dirty="0" err="1"/>
+              <a:t>색깔별로</a:t>
+            </a:r>
+            <a:r>
+              <a:rPr lang="ko-KR" altLang="en-US" dirty="0"/>
+              <a:t> </a:t>
+            </a:r>
+            <a:r>
+              <a:rPr lang="ko-KR" altLang="en-US" dirty="0" err="1" smtClean="0"/>
+              <a:t>아두이노의</a:t>
+            </a:r>
+            <a:r>
+              <a:rPr lang="ko-KR" altLang="en-US" dirty="0" smtClean="0"/>
+              <a:t> 동작을 제어한다</a:t>
+            </a:r>
+            <a:r>
+              <a:rPr lang="en-US" altLang="ko-KR" dirty="0" smtClean="0"/>
+              <a:t>.</a:t>
+            </a:r>
+          </a:p>
+          <a:p>
+            <a:r>
+              <a:rPr lang="ko-KR" altLang="en-US" dirty="0" smtClean="0"/>
+              <a:t>초기 작품의 단점을 보완하고자 함</a:t>
+            </a:r>
+            <a:r>
+              <a:rPr lang="en-US" altLang="ko-KR" dirty="0" smtClean="0"/>
+              <a:t>.</a:t>
+            </a:r>
+          </a:p>
+          <a:p>
+            <a:pPr lvl="1"/>
+            <a:r>
+              <a:rPr lang="en-US" altLang="ko-KR" dirty="0" smtClean="0"/>
+              <a:t>AI</a:t>
+            </a:r>
+            <a:r>
+              <a:rPr lang="ko-KR" altLang="en-US" dirty="0" smtClean="0"/>
+              <a:t>의 정확도 문제 </a:t>
+            </a:r>
+            <a:r>
+              <a:rPr lang="en-US" altLang="ko-KR" dirty="0" smtClean="0"/>
+              <a:t>– </a:t>
+            </a:r>
+            <a:r>
+              <a:rPr lang="ko-KR" altLang="en-US" dirty="0" smtClean="0"/>
+              <a:t>많은 양의 사진을 추가하여 정확도 향상</a:t>
+            </a:r>
+            <a:endParaRPr lang="en-US" altLang="ko-KR" dirty="0" smtClean="0"/>
+          </a:p>
+          <a:p>
+            <a:pPr lvl="1"/>
+            <a:r>
+              <a:rPr lang="ko-KR" altLang="en-US" dirty="0" smtClean="0"/>
+              <a:t>추후 학습을 통하여 </a:t>
+            </a:r>
+            <a:r>
+              <a:rPr lang="en-US" altLang="ko-KR" dirty="0" smtClean="0"/>
+              <a:t>2</a:t>
+            </a:r>
+            <a:r>
+              <a:rPr lang="ko-KR" altLang="en-US" dirty="0" smtClean="0"/>
+              <a:t>가지 이상의 색깔도 </a:t>
+            </a:r>
+            <a:r>
+              <a:rPr lang="ko-KR" altLang="en-US" dirty="0" err="1" smtClean="0"/>
+              <a:t>판별할려고함</a:t>
+            </a:r>
+            <a:endParaRPr lang="en-US" altLang="ko-KR" dirty="0" smtClean="0"/>
+          </a:p>
+          <a:p>
+            <a:pPr lvl="1"/>
+            <a:endParaRPr lang="ko-KR" altLang="en-US" dirty="0"/>
+          </a:p>
+        </p:txBody>
+      </p:sp>
+    </p:spTree>
+    <p:extLst>
+      <p:ext uri="{BB962C8B-B14F-4D97-AF65-F5344CB8AC3E}">
+        <p14:creationId xmlns:p14="http://schemas.microsoft.com/office/powerpoint/2010/main" val="3100489457"/>
+      </p:ext>
+    </p:extLst>
+  </p:cSld>
+  <p:clrMapOvr>
+    <a:masterClrMapping/>
+  </p:clrMapOvr>
+</p:sld>
+</file>
+
+<file path=ppt/slides/slide8.xml><?xml version="1.0" encoding="utf-8"?>
+<p:sld xmlns:a="http://schemas.openxmlformats.org/drawingml/2006/main" xmlns:r="http://schemas.openxmlformats.org/officeDocument/2006/relationships" xmlns:p="http://schemas.openxmlformats.org/presentationml/2006/main">
+  <p:cSld>
+    <p:spTree>
+      <p:nvGrpSpPr>
+        <p:cNvPr id="1" name=""/>
+        <p:cNvGrpSpPr/>
+        <p:nvPr/>
+      </p:nvGrpSpPr>
+      <p:grpSpPr>
+        <a:xfrm>
+          <a:off x="0" y="0"/>
+          <a:ext cx="0" cy="0"/>
+          <a:chOff x="0" y="0"/>
+          <a:chExt cx="0" cy="0"/>
+        </a:xfrm>
+      </p:grpSpPr>
+      <p:sp>
+        <p:nvSpPr>
+          <p:cNvPr id="33" name="타원 32">
+            <a:extLst>
+              <a:ext uri="{FF2B5EF4-FFF2-40B4-BE49-F238E27FC236}">
+                <a16:creationId xmlns:a16="http://schemas.microsoft.com/office/drawing/2014/main" id="{540AC15D-AB6D-43EC-8704-E87D7B6DF8F7}"/>
+              </a:ext>
+            </a:extLst>
+          </p:cNvPr>
+          <p:cNvSpPr/>
+          <p:nvPr/>
+        </p:nvSpPr>
+        <p:spPr>
+          <a:xfrm>
+            <a:off x="4840817" y="0"/>
+            <a:ext cx="1562100" cy="634084"/>
+          </a:xfrm>
+          <a:prstGeom prst="ellipse">
+            <a:avLst/>
+          </a:prstGeom>
+          <a:solidFill>
+            <a:schemeClr val="bg1"/>
+          </a:solidFill>
+        </p:spPr>
+        <p:style>
+          <a:lnRef idx="2">
+            <a:schemeClr val="accent1">
+              <a:shade val="50000"/>
+            </a:schemeClr>
+          </a:lnRef>
+          <a:fillRef idx="1">
+            <a:schemeClr val="accent1"/>
+          </a:fillRef>
+          <a:effectRef idx="0">
+            <a:schemeClr val="accent1"/>
+          </a:effectRef>
+          <a:fontRef idx="minor">
+            <a:schemeClr val="lt1"/>
+          </a:fontRef>
+        </p:style>
+        <p:txBody>
+          <a:bodyPr rtlCol="0" anchor="ctr"/>
+          <a:lstStyle/>
+          <a:p>
+            <a:pPr algn="ctr"/>
+            <a:endParaRPr lang="ko-KR" altLang="en-US"/>
+          </a:p>
+        </p:txBody>
+      </p:sp>
+      <p:sp>
+        <p:nvSpPr>
+          <p:cNvPr id="34" name="TextBox 33">
+            <a:extLst>
+              <a:ext uri="{FF2B5EF4-FFF2-40B4-BE49-F238E27FC236}">
+                <a16:creationId xmlns:a16="http://schemas.microsoft.com/office/drawing/2014/main" id="{3919FAF9-21BF-429E-B964-27A1FC2F41B8}"/>
+              </a:ext>
+            </a:extLst>
+          </p:cNvPr>
+          <p:cNvSpPr txBox="1"/>
+          <p:nvPr/>
+        </p:nvSpPr>
+        <p:spPr>
+          <a:xfrm>
+            <a:off x="4917016" y="190525"/>
+            <a:ext cx="1476375" cy="276999"/>
+          </a:xfrm>
+          <a:prstGeom prst="rect">
+            <a:avLst/>
+          </a:prstGeom>
+          <a:noFill/>
+        </p:spPr>
+        <p:txBody>
+          <a:bodyPr wrap="square" rtlCol="0">
+            <a:spAutoFit/>
+          </a:bodyPr>
+          <a:lstStyle/>
+          <a:p>
+            <a:r>
+              <a:rPr lang="ko-KR" altLang="en-US" sz="1200" dirty="0"/>
+              <a:t>전원</a:t>
+            </a:r>
+            <a:r>
+              <a:rPr lang="en-US" altLang="ko-KR" sz="1200" dirty="0"/>
+              <a:t>OFF:</a:t>
+            </a:r>
+            <a:r>
+              <a:rPr lang="ko-KR" altLang="en-US" sz="1200" dirty="0"/>
+              <a:t>카메라</a:t>
+            </a:r>
+            <a:r>
+              <a:rPr lang="en-US" altLang="ko-KR" sz="1200" dirty="0"/>
+              <a:t>ON</a:t>
+            </a:r>
+            <a:endParaRPr lang="ko-KR" altLang="en-US" sz="1200" dirty="0"/>
+          </a:p>
+        </p:txBody>
+      </p:sp>
+      <p:sp>
+        <p:nvSpPr>
+          <p:cNvPr id="35" name="아래쪽 화살표 11">
+            <a:extLst>
+              <a:ext uri="{FF2B5EF4-FFF2-40B4-BE49-F238E27FC236}">
+                <a16:creationId xmlns:a16="http://schemas.microsoft.com/office/drawing/2014/main" id="{5FB74D27-3F98-48D5-B3C6-4C48CB393D2D}"/>
+              </a:ext>
+            </a:extLst>
+          </p:cNvPr>
+          <p:cNvSpPr/>
+          <p:nvPr/>
+        </p:nvSpPr>
+        <p:spPr>
+          <a:xfrm>
+            <a:off x="5364692" y="655077"/>
+            <a:ext cx="514350" cy="409575"/>
+          </a:xfrm>
+          <a:prstGeom prst="downArrow">
+            <a:avLst/>
+          </a:prstGeom>
+          <a:solidFill>
+            <a:schemeClr val="bg1"/>
+          </a:solidFill>
+        </p:spPr>
+        <p:style>
+          <a:lnRef idx="2">
+            <a:schemeClr val="accent1">
+              <a:shade val="50000"/>
+            </a:schemeClr>
+          </a:lnRef>
+          <a:fillRef idx="1">
+            <a:schemeClr val="accent1"/>
+          </a:fillRef>
+          <a:effectRef idx="0">
+            <a:schemeClr val="accent1"/>
+          </a:effectRef>
+          <a:fontRef idx="minor">
+            <a:schemeClr val="lt1"/>
+          </a:fontRef>
+        </p:style>
+        <p:txBody>
+          <a:bodyPr rtlCol="0" anchor="ctr"/>
+          <a:lstStyle/>
+          <a:p>
+            <a:pPr algn="ctr"/>
+            <a:endParaRPr lang="ko-KR" altLang="en-US"/>
+          </a:p>
+        </p:txBody>
+      </p:sp>
+      <p:sp>
+        <p:nvSpPr>
+          <p:cNvPr id="36" name="직사각형 35">
+            <a:extLst>
+              <a:ext uri="{FF2B5EF4-FFF2-40B4-BE49-F238E27FC236}">
+                <a16:creationId xmlns:a16="http://schemas.microsoft.com/office/drawing/2014/main" id="{B99B109A-5EDF-4DDA-8057-20B77623D893}"/>
+              </a:ext>
+            </a:extLst>
+          </p:cNvPr>
+          <p:cNvSpPr/>
+          <p:nvPr/>
+        </p:nvSpPr>
+        <p:spPr>
+          <a:xfrm>
+            <a:off x="4240742" y="1115441"/>
+            <a:ext cx="2762250" cy="370443"/>
+          </a:xfrm>
+          <a:prstGeom prst="rect">
+            <a:avLst/>
+          </a:prstGeom>
+          <a:solidFill>
+            <a:schemeClr val="bg1"/>
+          </a:solidFill>
+        </p:spPr>
+        <p:style>
+          <a:lnRef idx="2">
+            <a:schemeClr val="accent1">
+              <a:shade val="50000"/>
+            </a:schemeClr>
+          </a:lnRef>
+          <a:fillRef idx="1">
+            <a:schemeClr val="accent1"/>
+          </a:fillRef>
+          <a:effectRef idx="0">
+            <a:schemeClr val="accent1"/>
+          </a:effectRef>
+          <a:fontRef idx="minor">
+            <a:schemeClr val="lt1"/>
+          </a:fontRef>
+        </p:style>
+        <p:txBody>
+          <a:bodyPr rtlCol="0" anchor="ctr"/>
+          <a:lstStyle/>
+          <a:p>
+            <a:pPr algn="ctr"/>
+            <a:endParaRPr lang="ko-KR" altLang="en-US" dirty="0"/>
+          </a:p>
+        </p:txBody>
+      </p:sp>
+      <p:sp>
+        <p:nvSpPr>
+          <p:cNvPr id="37" name="TextBox 36">
+            <a:extLst>
+              <a:ext uri="{FF2B5EF4-FFF2-40B4-BE49-F238E27FC236}">
+                <a16:creationId xmlns:a16="http://schemas.microsoft.com/office/drawing/2014/main" id="{F1A7A65E-22F1-4AE4-A05A-3BD1A24B52CE}"/>
+              </a:ext>
+            </a:extLst>
+          </p:cNvPr>
+          <p:cNvSpPr txBox="1"/>
+          <p:nvPr/>
+        </p:nvSpPr>
+        <p:spPr>
+          <a:xfrm>
+            <a:off x="4240742" y="1178107"/>
+            <a:ext cx="2952750" cy="307777"/>
+          </a:xfrm>
+          <a:prstGeom prst="rect">
+            <a:avLst/>
+          </a:prstGeom>
+          <a:noFill/>
+        </p:spPr>
+        <p:txBody>
+          <a:bodyPr wrap="square" rtlCol="0">
+            <a:spAutoFit/>
+          </a:bodyPr>
+          <a:lstStyle/>
+          <a:p>
+            <a:r>
+              <a:rPr lang="ko-KR" altLang="en-US" sz="1400" dirty="0"/>
+              <a:t>카메라 촬영시 </a:t>
+            </a:r>
+            <a:r>
+              <a:rPr lang="en-US" altLang="ko-KR" sz="1400" dirty="0"/>
+              <a:t>AI</a:t>
+            </a:r>
+            <a:r>
+              <a:rPr lang="ko-KR" altLang="en-US" sz="1400" dirty="0"/>
+              <a:t>프로그램에 송출</a:t>
+            </a:r>
+          </a:p>
+        </p:txBody>
+      </p:sp>
+      <p:sp>
+        <p:nvSpPr>
+          <p:cNvPr id="38" name="아래쪽 화살표 14">
+            <a:extLst>
+              <a:ext uri="{FF2B5EF4-FFF2-40B4-BE49-F238E27FC236}">
+                <a16:creationId xmlns:a16="http://schemas.microsoft.com/office/drawing/2014/main" id="{F1476211-9833-4437-80F7-275D362CEF8D}"/>
+              </a:ext>
+            </a:extLst>
+          </p:cNvPr>
+          <p:cNvSpPr/>
+          <p:nvPr/>
+        </p:nvSpPr>
+        <p:spPr>
+          <a:xfrm>
+            <a:off x="5364692" y="1546009"/>
+            <a:ext cx="514350" cy="400050"/>
+          </a:xfrm>
+          <a:prstGeom prst="downArrow">
+            <a:avLst/>
+          </a:prstGeom>
+          <a:solidFill>
+            <a:schemeClr val="bg1"/>
+          </a:solidFill>
+        </p:spPr>
+        <p:style>
+          <a:lnRef idx="2">
+            <a:schemeClr val="accent1">
+              <a:shade val="50000"/>
+            </a:schemeClr>
+          </a:lnRef>
+          <a:fillRef idx="1">
+            <a:schemeClr val="accent1"/>
+          </a:fillRef>
+          <a:effectRef idx="0">
+            <a:schemeClr val="accent1"/>
+          </a:effectRef>
+          <a:fontRef idx="minor">
+            <a:schemeClr val="lt1"/>
+          </a:fontRef>
+        </p:style>
+        <p:txBody>
+          <a:bodyPr rtlCol="0" anchor="ctr"/>
+          <a:lstStyle/>
+          <a:p>
+            <a:pPr algn="ctr"/>
+            <a:endParaRPr lang="ko-KR" altLang="en-US"/>
+          </a:p>
+        </p:txBody>
+      </p:sp>
+      <p:sp>
+        <p:nvSpPr>
+          <p:cNvPr id="39" name="순서도: 판단 38">
+            <a:extLst>
+              <a:ext uri="{FF2B5EF4-FFF2-40B4-BE49-F238E27FC236}">
+                <a16:creationId xmlns:a16="http://schemas.microsoft.com/office/drawing/2014/main" id="{7CF984FE-F572-4CDA-BEE6-5EB4097D3E6F}"/>
+              </a:ext>
+            </a:extLst>
+          </p:cNvPr>
+          <p:cNvSpPr/>
+          <p:nvPr/>
+        </p:nvSpPr>
+        <p:spPr>
+          <a:xfrm>
+            <a:off x="4436004" y="2006184"/>
+            <a:ext cx="2371725" cy="1013854"/>
+          </a:xfrm>
+          <a:prstGeom prst="flowChartDecision">
+            <a:avLst/>
+          </a:prstGeom>
+          <a:solidFill>
+            <a:schemeClr val="bg1"/>
+          </a:solidFill>
+        </p:spPr>
+        <p:style>
+          <a:lnRef idx="2">
+            <a:schemeClr val="accent1">
+              <a:shade val="50000"/>
+            </a:schemeClr>
+          </a:lnRef>
+          <a:fillRef idx="1">
+            <a:schemeClr val="accent1"/>
+          </a:fillRef>
+          <a:effectRef idx="0">
+            <a:schemeClr val="accent1"/>
+          </a:effectRef>
+          <a:fontRef idx="minor">
+            <a:schemeClr val="lt1"/>
+          </a:fontRef>
+        </p:style>
+        <p:txBody>
+          <a:bodyPr rtlCol="0" anchor="ctr"/>
+          <a:lstStyle/>
+          <a:p>
+            <a:pPr algn="ctr"/>
+            <a:endParaRPr lang="ko-KR" altLang="en-US"/>
+          </a:p>
+        </p:txBody>
+      </p:sp>
+      <p:sp>
+        <p:nvSpPr>
+          <p:cNvPr id="40" name="TextBox 39">
+            <a:extLst>
+              <a:ext uri="{FF2B5EF4-FFF2-40B4-BE49-F238E27FC236}">
+                <a16:creationId xmlns:a16="http://schemas.microsoft.com/office/drawing/2014/main" id="{C352B8A0-F177-46AE-ABA1-02E301F27156}"/>
+              </a:ext>
+            </a:extLst>
+          </p:cNvPr>
+          <p:cNvSpPr txBox="1"/>
+          <p:nvPr/>
+        </p:nvSpPr>
+        <p:spPr>
+          <a:xfrm>
+            <a:off x="4893204" y="1995886"/>
+            <a:ext cx="1476375" cy="369332"/>
+          </a:xfrm>
+          <a:prstGeom prst="rect">
+            <a:avLst/>
+          </a:prstGeom>
+          <a:noFill/>
+        </p:spPr>
+        <p:txBody>
+          <a:bodyPr wrap="square" rtlCol="0">
+            <a:spAutoFit/>
+          </a:bodyPr>
+          <a:lstStyle/>
+          <a:p>
+            <a:r>
+              <a:rPr lang="en-US" altLang="ko-KR" dirty="0"/>
+              <a:t>          AI</a:t>
+            </a:r>
+            <a:endParaRPr lang="ko-KR" altLang="en-US" dirty="0"/>
+          </a:p>
+        </p:txBody>
+      </p:sp>
+      <p:sp>
+        <p:nvSpPr>
+          <p:cNvPr id="41" name="TextBox 40">
+            <a:extLst>
+              <a:ext uri="{FF2B5EF4-FFF2-40B4-BE49-F238E27FC236}">
+                <a16:creationId xmlns:a16="http://schemas.microsoft.com/office/drawing/2014/main" id="{19A75B19-9C7C-40F4-B139-2EA4524A3089}"/>
+              </a:ext>
+            </a:extLst>
+          </p:cNvPr>
+          <p:cNvSpPr txBox="1"/>
+          <p:nvPr/>
+        </p:nvSpPr>
+        <p:spPr>
+          <a:xfrm>
+            <a:off x="4702703" y="2212845"/>
+            <a:ext cx="1814513" cy="800219"/>
+          </a:xfrm>
+          <a:prstGeom prst="rect">
+            <a:avLst/>
+          </a:prstGeom>
+          <a:noFill/>
+        </p:spPr>
+        <p:txBody>
+          <a:bodyPr wrap="square" rtlCol="0">
+            <a:spAutoFit/>
+          </a:bodyPr>
+          <a:lstStyle/>
+          <a:p>
+            <a:r>
+              <a:rPr lang="en-US" altLang="ko-KR" dirty="0"/>
+              <a:t> </a:t>
+            </a:r>
+            <a:r>
+              <a:rPr lang="ko-KR" altLang="en-US" sz="1000" dirty="0"/>
+              <a:t>카메라에 의해 투입된 색깔 의 비중이 어느게 더 큰가</a:t>
+            </a:r>
+            <a:r>
+              <a:rPr lang="en-US" altLang="ko-KR" sz="1000" dirty="0"/>
+              <a:t>?</a:t>
+            </a:r>
+            <a:r>
+              <a:rPr lang="ko-KR" altLang="en-US" sz="1000" dirty="0"/>
+              <a:t> </a:t>
+            </a:r>
+            <a:endParaRPr lang="en-US" altLang="ko-KR" sz="1000" dirty="0"/>
+          </a:p>
+          <a:p>
+            <a:endParaRPr lang="ko-KR" altLang="en-US" dirty="0"/>
+          </a:p>
+        </p:txBody>
+      </p:sp>
+      <p:cxnSp>
+        <p:nvCxnSpPr>
+          <p:cNvPr id="42" name="꺾인 연결선 19">
+            <a:extLst>
+              <a:ext uri="{FF2B5EF4-FFF2-40B4-BE49-F238E27FC236}">
+                <a16:creationId xmlns:a16="http://schemas.microsoft.com/office/drawing/2014/main" id="{AE56D8F6-4C61-45C3-8D65-B462C7595322}"/>
+              </a:ext>
+            </a:extLst>
+          </p:cNvPr>
+          <p:cNvCxnSpPr>
+            <a:stCxn id="39" idx="1"/>
+          </p:cNvCxnSpPr>
+          <p:nvPr/>
+        </p:nvCxnSpPr>
+        <p:spPr>
+          <a:xfrm rot="10800000" flipV="1">
+            <a:off x="3593042" y="2513110"/>
+            <a:ext cx="842962" cy="947107"/>
+          </a:xfrm>
+          <a:prstGeom prst="bentConnector2">
+            <a:avLst/>
+          </a:prstGeom>
+        </p:spPr>
+        <p:style>
+          <a:lnRef idx="1">
+            <a:schemeClr val="accent1"/>
+          </a:lnRef>
+          <a:fillRef idx="0">
+            <a:schemeClr val="accent1"/>
+          </a:fillRef>
+          <a:effectRef idx="0">
+            <a:schemeClr val="accent1"/>
+          </a:effectRef>
+          <a:fontRef idx="minor">
+            <a:schemeClr val="tx1"/>
+          </a:fontRef>
+        </p:style>
+      </p:cxnSp>
+      <p:cxnSp>
+        <p:nvCxnSpPr>
+          <p:cNvPr id="43" name="꺾인 연결선 23">
+            <a:extLst>
+              <a:ext uri="{FF2B5EF4-FFF2-40B4-BE49-F238E27FC236}">
+                <a16:creationId xmlns:a16="http://schemas.microsoft.com/office/drawing/2014/main" id="{D1F12547-212B-49AB-82BF-9904BB227961}"/>
+              </a:ext>
+            </a:extLst>
+          </p:cNvPr>
+          <p:cNvCxnSpPr>
+            <a:stCxn id="39" idx="3"/>
+          </p:cNvCxnSpPr>
+          <p:nvPr/>
+        </p:nvCxnSpPr>
+        <p:spPr>
+          <a:xfrm>
+            <a:off x="6807729" y="2513111"/>
+            <a:ext cx="938213" cy="947106"/>
+          </a:xfrm>
+          <a:prstGeom prst="bentConnector2">
+            <a:avLst/>
+          </a:prstGeom>
+        </p:spPr>
+        <p:style>
+          <a:lnRef idx="1">
+            <a:schemeClr val="accent1"/>
+          </a:lnRef>
+          <a:fillRef idx="0">
+            <a:schemeClr val="accent1"/>
+          </a:fillRef>
+          <a:effectRef idx="0">
+            <a:schemeClr val="accent1"/>
+          </a:effectRef>
+          <a:fontRef idx="minor">
+            <a:schemeClr val="tx1"/>
+          </a:fontRef>
+        </p:style>
+      </p:cxnSp>
+      <p:cxnSp>
+        <p:nvCxnSpPr>
+          <p:cNvPr id="44" name="직선 연결선 43">
+            <a:extLst>
+              <a:ext uri="{FF2B5EF4-FFF2-40B4-BE49-F238E27FC236}">
+                <a16:creationId xmlns:a16="http://schemas.microsoft.com/office/drawing/2014/main" id="{97EE90DB-9703-4B1B-859F-46E6594E776D}"/>
+              </a:ext>
+            </a:extLst>
+          </p:cNvPr>
+          <p:cNvCxnSpPr>
+            <a:stCxn id="39" idx="2"/>
+            <a:endCxn id="39" idx="2"/>
+          </p:cNvCxnSpPr>
+          <p:nvPr/>
+        </p:nvCxnSpPr>
+        <p:spPr>
+          <a:xfrm>
+            <a:off x="5621867" y="3020038"/>
+            <a:ext cx="0" cy="0"/>
+          </a:xfrm>
+          <a:prstGeom prst="line">
+            <a:avLst/>
+          </a:prstGeom>
+        </p:spPr>
+        <p:style>
+          <a:lnRef idx="1">
+            <a:schemeClr val="accent1"/>
+          </a:lnRef>
+          <a:fillRef idx="0">
+            <a:schemeClr val="accent1"/>
+          </a:fillRef>
+          <a:effectRef idx="0">
+            <a:schemeClr val="accent1"/>
+          </a:effectRef>
+          <a:fontRef idx="minor">
+            <a:schemeClr val="tx1"/>
+          </a:fontRef>
+        </p:style>
+      </p:cxnSp>
+      <p:cxnSp>
+        <p:nvCxnSpPr>
+          <p:cNvPr id="45" name="직선 연결선 44">
+            <a:extLst>
+              <a:ext uri="{FF2B5EF4-FFF2-40B4-BE49-F238E27FC236}">
+                <a16:creationId xmlns:a16="http://schemas.microsoft.com/office/drawing/2014/main" id="{DCF3F83A-77CE-43D5-ABA7-6098C62045FB}"/>
+              </a:ext>
+            </a:extLst>
+          </p:cNvPr>
+          <p:cNvCxnSpPr>
+            <a:stCxn id="39" idx="2"/>
+          </p:cNvCxnSpPr>
+          <p:nvPr/>
+        </p:nvCxnSpPr>
+        <p:spPr>
+          <a:xfrm>
+            <a:off x="5621867" y="3020038"/>
+            <a:ext cx="0" cy="440179"/>
+          </a:xfrm>
+          <a:prstGeom prst="line">
+            <a:avLst/>
+          </a:prstGeom>
+        </p:spPr>
+        <p:style>
+          <a:lnRef idx="1">
+            <a:schemeClr val="accent1"/>
+          </a:lnRef>
+          <a:fillRef idx="0">
+            <a:schemeClr val="accent1"/>
+          </a:fillRef>
+          <a:effectRef idx="0">
+            <a:schemeClr val="accent1"/>
+          </a:effectRef>
+          <a:fontRef idx="minor">
+            <a:schemeClr val="tx1"/>
+          </a:fontRef>
+        </p:style>
+      </p:cxnSp>
+      <p:sp>
+        <p:nvSpPr>
+          <p:cNvPr id="46" name="직사각형 45">
+            <a:extLst>
+              <a:ext uri="{FF2B5EF4-FFF2-40B4-BE49-F238E27FC236}">
+                <a16:creationId xmlns:a16="http://schemas.microsoft.com/office/drawing/2014/main" id="{D844C706-AC20-42B1-A63F-32FAB49AA0B8}"/>
+              </a:ext>
+            </a:extLst>
+          </p:cNvPr>
+          <p:cNvSpPr/>
+          <p:nvPr/>
+        </p:nvSpPr>
+        <p:spPr>
+          <a:xfrm>
+            <a:off x="3097742" y="3460217"/>
+            <a:ext cx="1028700" cy="646686"/>
+          </a:xfrm>
+          <a:prstGeom prst="rect">
+            <a:avLst/>
+          </a:prstGeom>
+          <a:solidFill>
+            <a:srgbClr val="FF0000"/>
+          </a:solidFill>
+          <a:ln w="38100">
+            <a:solidFill>
+              <a:srgbClr val="FF0000"/>
+            </a:solidFill>
+          </a:ln>
+        </p:spPr>
+        <p:style>
+          <a:lnRef idx="2">
+            <a:schemeClr val="dk1"/>
+          </a:lnRef>
+          <a:fillRef idx="1">
+            <a:schemeClr val="lt1"/>
+          </a:fillRef>
+          <a:effectRef idx="0">
+            <a:schemeClr val="dk1"/>
+          </a:effectRef>
+          <a:fontRef idx="minor">
+            <a:schemeClr val="dk1"/>
+          </a:fontRef>
+        </p:style>
+        <p:txBody>
+          <a:bodyPr rtlCol="0" anchor="ctr"/>
+          <a:lstStyle/>
+          <a:p>
+            <a:pPr algn="ctr"/>
+            <a:endParaRPr lang="ko-KR" altLang="en-US"/>
+          </a:p>
+        </p:txBody>
+      </p:sp>
+      <p:sp>
+        <p:nvSpPr>
+          <p:cNvPr id="47" name="직사각형 46">
+            <a:extLst>
+              <a:ext uri="{FF2B5EF4-FFF2-40B4-BE49-F238E27FC236}">
+                <a16:creationId xmlns:a16="http://schemas.microsoft.com/office/drawing/2014/main" id="{8F172817-900B-40C9-996E-507F8E74B068}"/>
+              </a:ext>
+            </a:extLst>
+          </p:cNvPr>
+          <p:cNvSpPr/>
+          <p:nvPr/>
+        </p:nvSpPr>
+        <p:spPr>
+          <a:xfrm>
+            <a:off x="5107516" y="3487777"/>
+            <a:ext cx="1028700" cy="619126"/>
+          </a:xfrm>
+          <a:prstGeom prst="rect">
+            <a:avLst/>
+          </a:prstGeom>
+          <a:solidFill>
+            <a:srgbClr val="FFFF00"/>
+          </a:solidFill>
+          <a:ln w="38100">
+            <a:solidFill>
+              <a:srgbClr val="FFFF00"/>
+            </a:solidFill>
+          </a:ln>
+        </p:spPr>
+        <p:style>
+          <a:lnRef idx="2">
+            <a:schemeClr val="accent1">
+              <a:shade val="50000"/>
+            </a:schemeClr>
+          </a:lnRef>
+          <a:fillRef idx="1">
+            <a:schemeClr val="accent1"/>
+          </a:fillRef>
+          <a:effectRef idx="0">
+            <a:schemeClr val="accent1"/>
+          </a:effectRef>
+          <a:fontRef idx="minor">
+            <a:schemeClr val="lt1"/>
+          </a:fontRef>
+        </p:style>
+        <p:txBody>
+          <a:bodyPr rtlCol="0" anchor="ctr"/>
+          <a:lstStyle/>
+          <a:p>
+            <a:pPr algn="ctr"/>
+            <a:endParaRPr lang="ko-KR" altLang="en-US"/>
+          </a:p>
+        </p:txBody>
+      </p:sp>
+      <p:sp>
+        <p:nvSpPr>
+          <p:cNvPr id="48" name="직사각형 47">
+            <a:extLst>
+              <a:ext uri="{FF2B5EF4-FFF2-40B4-BE49-F238E27FC236}">
+                <a16:creationId xmlns:a16="http://schemas.microsoft.com/office/drawing/2014/main" id="{1633A62B-F851-4E6C-9DDC-CB15E34C9450}"/>
+              </a:ext>
+            </a:extLst>
+          </p:cNvPr>
+          <p:cNvSpPr/>
+          <p:nvPr/>
+        </p:nvSpPr>
+        <p:spPr>
+          <a:xfrm>
+            <a:off x="7193492" y="3460217"/>
+            <a:ext cx="1028700" cy="646686"/>
+          </a:xfrm>
+          <a:prstGeom prst="rect">
+            <a:avLst/>
+          </a:prstGeom>
+          <a:solidFill>
+            <a:srgbClr val="00B050"/>
+          </a:solidFill>
+          <a:ln w="38100">
+            <a:solidFill>
+              <a:srgbClr val="00B050"/>
+            </a:solidFill>
+          </a:ln>
+        </p:spPr>
+        <p:style>
+          <a:lnRef idx="2">
+            <a:schemeClr val="accent1">
+              <a:shade val="50000"/>
+            </a:schemeClr>
+          </a:lnRef>
+          <a:fillRef idx="1">
+            <a:schemeClr val="accent1"/>
+          </a:fillRef>
+          <a:effectRef idx="0">
+            <a:schemeClr val="accent1"/>
+          </a:effectRef>
+          <a:fontRef idx="minor">
+            <a:schemeClr val="lt1"/>
+          </a:fontRef>
+        </p:style>
+        <p:txBody>
+          <a:bodyPr rtlCol="0" anchor="ctr"/>
+          <a:lstStyle/>
+          <a:p>
+            <a:pPr algn="ctr"/>
+            <a:endParaRPr lang="ko-KR" altLang="en-US"/>
+          </a:p>
+        </p:txBody>
+      </p:sp>
+      <p:cxnSp>
+        <p:nvCxnSpPr>
+          <p:cNvPr id="49" name="직선 연결선 48">
+            <a:extLst>
+              <a:ext uri="{FF2B5EF4-FFF2-40B4-BE49-F238E27FC236}">
+                <a16:creationId xmlns:a16="http://schemas.microsoft.com/office/drawing/2014/main" id="{82746EEF-0653-443C-B4A9-DEC24591F236}"/>
+              </a:ext>
+            </a:extLst>
+          </p:cNvPr>
+          <p:cNvCxnSpPr>
+            <a:stCxn id="47" idx="0"/>
+            <a:endCxn id="39" idx="2"/>
+          </p:cNvCxnSpPr>
+          <p:nvPr/>
+        </p:nvCxnSpPr>
+        <p:spPr>
+          <a:xfrm flipV="1">
+            <a:off x="5621866" y="3020038"/>
+            <a:ext cx="1" cy="467739"/>
+          </a:xfrm>
+          <a:prstGeom prst="line">
+            <a:avLst/>
+          </a:prstGeom>
+        </p:spPr>
+        <p:style>
+          <a:lnRef idx="1">
+            <a:schemeClr val="accent1"/>
+          </a:lnRef>
+          <a:fillRef idx="0">
+            <a:schemeClr val="accent1"/>
+          </a:fillRef>
+          <a:effectRef idx="0">
+            <a:schemeClr val="accent1"/>
+          </a:effectRef>
+          <a:fontRef idx="minor">
+            <a:schemeClr val="tx1"/>
+          </a:fontRef>
+        </p:style>
+      </p:cxnSp>
+      <p:sp>
+        <p:nvSpPr>
+          <p:cNvPr id="53" name="아래쪽 화살표 52">
+            <a:extLst>
+              <a:ext uri="{FF2B5EF4-FFF2-40B4-BE49-F238E27FC236}">
+                <a16:creationId xmlns:a16="http://schemas.microsoft.com/office/drawing/2014/main" id="{7B616E79-4A4B-4400-9402-1F2723216222}"/>
+              </a:ext>
+            </a:extLst>
+          </p:cNvPr>
+          <p:cNvSpPr/>
+          <p:nvPr/>
+        </p:nvSpPr>
+        <p:spPr>
+          <a:xfrm>
+            <a:off x="3450167" y="4157184"/>
+            <a:ext cx="323850" cy="382015"/>
+          </a:xfrm>
+          <a:prstGeom prst="downArrow">
+            <a:avLst/>
+          </a:prstGeom>
+        </p:spPr>
+        <p:style>
+          <a:lnRef idx="2">
+            <a:schemeClr val="accent1">
+              <a:shade val="50000"/>
+            </a:schemeClr>
+          </a:lnRef>
+          <a:fillRef idx="1">
+            <a:schemeClr val="accent1"/>
+          </a:fillRef>
+          <a:effectRef idx="0">
+            <a:schemeClr val="accent1"/>
+          </a:effectRef>
+          <a:fontRef idx="minor">
+            <a:schemeClr val="lt1"/>
+          </a:fontRef>
+        </p:style>
+        <p:txBody>
+          <a:bodyPr rtlCol="0" anchor="ctr"/>
+          <a:lstStyle/>
+          <a:p>
+            <a:pPr algn="ctr"/>
+            <a:endParaRPr lang="ko-KR" altLang="en-US"/>
+          </a:p>
+        </p:txBody>
+      </p:sp>
+      <p:sp>
+        <p:nvSpPr>
+          <p:cNvPr id="54" name="아래쪽 화살표 53">
+            <a:extLst>
+              <a:ext uri="{FF2B5EF4-FFF2-40B4-BE49-F238E27FC236}">
+                <a16:creationId xmlns:a16="http://schemas.microsoft.com/office/drawing/2014/main" id="{EFF58C6A-A7A3-4739-BA39-CE95B024D0BB}"/>
+              </a:ext>
+            </a:extLst>
+          </p:cNvPr>
+          <p:cNvSpPr/>
+          <p:nvPr/>
+        </p:nvSpPr>
+        <p:spPr>
+          <a:xfrm>
+            <a:off x="5445652" y="4163897"/>
+            <a:ext cx="323850" cy="382015"/>
+          </a:xfrm>
+          <a:prstGeom prst="downArrow">
+            <a:avLst/>
+          </a:prstGeom>
+        </p:spPr>
+        <p:style>
+          <a:lnRef idx="2">
+            <a:schemeClr val="accent1">
+              <a:shade val="50000"/>
+            </a:schemeClr>
+          </a:lnRef>
+          <a:fillRef idx="1">
+            <a:schemeClr val="accent1"/>
+          </a:fillRef>
+          <a:effectRef idx="0">
+            <a:schemeClr val="accent1"/>
+          </a:effectRef>
+          <a:fontRef idx="minor">
+            <a:schemeClr val="lt1"/>
+          </a:fontRef>
+        </p:style>
+        <p:txBody>
+          <a:bodyPr rtlCol="0" anchor="ctr"/>
+          <a:lstStyle/>
+          <a:p>
+            <a:pPr algn="ctr"/>
+            <a:endParaRPr lang="ko-KR" altLang="en-US"/>
+          </a:p>
+        </p:txBody>
+      </p:sp>
+      <p:sp>
+        <p:nvSpPr>
+          <p:cNvPr id="55" name="아래쪽 화살표 54">
+            <a:extLst>
+              <a:ext uri="{FF2B5EF4-FFF2-40B4-BE49-F238E27FC236}">
+                <a16:creationId xmlns:a16="http://schemas.microsoft.com/office/drawing/2014/main" id="{E7750FCB-0250-4980-B8A4-2EE3F84B7145}"/>
+              </a:ext>
+            </a:extLst>
+          </p:cNvPr>
+          <p:cNvSpPr/>
+          <p:nvPr/>
+        </p:nvSpPr>
+        <p:spPr>
+          <a:xfrm>
+            <a:off x="7545917" y="4157184"/>
+            <a:ext cx="323850" cy="382015"/>
+          </a:xfrm>
+          <a:prstGeom prst="downArrow">
+            <a:avLst/>
+          </a:prstGeom>
+        </p:spPr>
+        <p:style>
+          <a:lnRef idx="2">
+            <a:schemeClr val="accent1">
+              <a:shade val="50000"/>
+            </a:schemeClr>
+          </a:lnRef>
+          <a:fillRef idx="1">
+            <a:schemeClr val="accent1"/>
+          </a:fillRef>
+          <a:effectRef idx="0">
+            <a:schemeClr val="accent1"/>
+          </a:effectRef>
+          <a:fontRef idx="minor">
+            <a:schemeClr val="lt1"/>
+          </a:fontRef>
+        </p:style>
+        <p:txBody>
+          <a:bodyPr rtlCol="0" anchor="ctr"/>
+          <a:lstStyle/>
+          <a:p>
+            <a:pPr algn="ctr"/>
+            <a:endParaRPr lang="ko-KR" altLang="en-US"/>
+          </a:p>
+        </p:txBody>
+      </p:sp>
+      <p:sp>
+        <p:nvSpPr>
+          <p:cNvPr id="56" name="직사각형 55">
+            <a:extLst>
+              <a:ext uri="{FF2B5EF4-FFF2-40B4-BE49-F238E27FC236}">
+                <a16:creationId xmlns:a16="http://schemas.microsoft.com/office/drawing/2014/main" id="{11FBCE0D-0C51-45CE-94C7-C1C357606EB6}"/>
+              </a:ext>
+            </a:extLst>
+          </p:cNvPr>
+          <p:cNvSpPr/>
+          <p:nvPr/>
+        </p:nvSpPr>
+        <p:spPr>
+          <a:xfrm>
+            <a:off x="2823898" y="4578545"/>
+            <a:ext cx="1614487" cy="911744"/>
+          </a:xfrm>
+          <a:prstGeom prst="rect">
+            <a:avLst/>
+          </a:prstGeom>
+          <a:solidFill>
+            <a:schemeClr val="bg1"/>
+          </a:solidFill>
+        </p:spPr>
+        <p:style>
+          <a:lnRef idx="2">
+            <a:schemeClr val="accent1">
+              <a:shade val="50000"/>
+            </a:schemeClr>
+          </a:lnRef>
+          <a:fillRef idx="1">
+            <a:schemeClr val="accent1"/>
+          </a:fillRef>
+          <a:effectRef idx="0">
+            <a:schemeClr val="accent1"/>
+          </a:effectRef>
+          <a:fontRef idx="minor">
+            <a:schemeClr val="lt1"/>
+          </a:fontRef>
+        </p:style>
+        <p:txBody>
+          <a:bodyPr rtlCol="0" anchor="ctr"/>
+          <a:lstStyle/>
+          <a:p>
+            <a:pPr algn="ctr"/>
+            <a:endParaRPr lang="ko-KR" altLang="en-US"/>
+          </a:p>
+        </p:txBody>
+      </p:sp>
+      <p:sp>
+        <p:nvSpPr>
+          <p:cNvPr id="57" name="직사각형 56">
+            <a:extLst>
+              <a:ext uri="{FF2B5EF4-FFF2-40B4-BE49-F238E27FC236}">
+                <a16:creationId xmlns:a16="http://schemas.microsoft.com/office/drawing/2014/main" id="{A954010F-1EE7-47DA-9E8E-78C0BE26CC60}"/>
+              </a:ext>
+            </a:extLst>
+          </p:cNvPr>
+          <p:cNvSpPr/>
+          <p:nvPr/>
+        </p:nvSpPr>
+        <p:spPr>
+          <a:xfrm>
+            <a:off x="4800333" y="4578545"/>
+            <a:ext cx="1614487" cy="911744"/>
+          </a:xfrm>
+          <a:prstGeom prst="rect">
+            <a:avLst/>
+          </a:prstGeom>
+          <a:solidFill>
+            <a:schemeClr val="bg1"/>
+          </a:solidFill>
+        </p:spPr>
+        <p:style>
+          <a:lnRef idx="2">
+            <a:schemeClr val="accent1">
+              <a:shade val="50000"/>
+            </a:schemeClr>
+          </a:lnRef>
+          <a:fillRef idx="1">
+            <a:schemeClr val="accent1"/>
+          </a:fillRef>
+          <a:effectRef idx="0">
+            <a:schemeClr val="accent1"/>
+          </a:effectRef>
+          <a:fontRef idx="minor">
+            <a:schemeClr val="lt1"/>
+          </a:fontRef>
+        </p:style>
+        <p:txBody>
+          <a:bodyPr rtlCol="0" anchor="ctr"/>
+          <a:lstStyle/>
+          <a:p>
+            <a:pPr algn="ctr"/>
+            <a:endParaRPr lang="ko-KR" altLang="en-US"/>
+          </a:p>
+        </p:txBody>
+      </p:sp>
+      <p:sp>
+        <p:nvSpPr>
+          <p:cNvPr id="58" name="직사각형 57">
+            <a:extLst>
+              <a:ext uri="{FF2B5EF4-FFF2-40B4-BE49-F238E27FC236}">
+                <a16:creationId xmlns:a16="http://schemas.microsoft.com/office/drawing/2014/main" id="{31D0E861-A65B-4712-B5B0-E9DBD7C9063D}"/>
+              </a:ext>
+            </a:extLst>
+          </p:cNvPr>
+          <p:cNvSpPr/>
+          <p:nvPr/>
+        </p:nvSpPr>
+        <p:spPr>
+          <a:xfrm>
+            <a:off x="6900598" y="4586046"/>
+            <a:ext cx="1614487" cy="911744"/>
+          </a:xfrm>
+          <a:prstGeom prst="rect">
+            <a:avLst/>
+          </a:prstGeom>
+          <a:solidFill>
+            <a:schemeClr val="bg1"/>
+          </a:solidFill>
+        </p:spPr>
+        <p:style>
+          <a:lnRef idx="2">
+            <a:schemeClr val="accent1">
+              <a:shade val="50000"/>
+            </a:schemeClr>
+          </a:lnRef>
+          <a:fillRef idx="1">
+            <a:schemeClr val="accent1"/>
+          </a:fillRef>
+          <a:effectRef idx="0">
+            <a:schemeClr val="accent1"/>
+          </a:effectRef>
+          <a:fontRef idx="minor">
+            <a:schemeClr val="lt1"/>
+          </a:fontRef>
+        </p:style>
+        <p:txBody>
+          <a:bodyPr rtlCol="0" anchor="ctr"/>
+          <a:lstStyle/>
+          <a:p>
+            <a:pPr algn="ctr"/>
+            <a:endParaRPr lang="ko-KR" altLang="en-US"/>
+          </a:p>
+        </p:txBody>
+      </p:sp>
+      <p:sp>
+        <p:nvSpPr>
+          <p:cNvPr id="59" name="TextBox 58">
+            <a:extLst>
+              <a:ext uri="{FF2B5EF4-FFF2-40B4-BE49-F238E27FC236}">
+                <a16:creationId xmlns:a16="http://schemas.microsoft.com/office/drawing/2014/main" id="{C0DC8F21-C872-4880-970C-7F3ED7F4B9B1}"/>
+              </a:ext>
+            </a:extLst>
+          </p:cNvPr>
+          <p:cNvSpPr txBox="1"/>
+          <p:nvPr/>
+        </p:nvSpPr>
+        <p:spPr>
+          <a:xfrm>
+            <a:off x="2823898" y="4586046"/>
+            <a:ext cx="1612106" cy="646331"/>
+          </a:xfrm>
+          <a:prstGeom prst="rect">
+            <a:avLst/>
+          </a:prstGeom>
+          <a:noFill/>
+        </p:spPr>
+        <p:txBody>
+          <a:bodyPr wrap="square" rtlCol="0">
+            <a:spAutoFit/>
+          </a:bodyPr>
+          <a:lstStyle/>
+          <a:p>
+            <a:r>
+              <a:rPr lang="ko-KR" altLang="en-US" dirty="0"/>
+              <a:t>     </a:t>
+            </a:r>
+            <a:endParaRPr lang="en-US" altLang="ko-KR" dirty="0"/>
+          </a:p>
+          <a:p>
+            <a:r>
+              <a:rPr lang="en-US" altLang="ko-KR" dirty="0"/>
+              <a:t> </a:t>
+            </a:r>
+            <a:r>
+              <a:rPr lang="ko-KR" altLang="en-US" sz="1600" dirty="0"/>
+              <a:t>빨간색 </a:t>
+            </a:r>
+            <a:r>
+              <a:rPr lang="en-US" altLang="ko-KR" sz="1600" dirty="0"/>
+              <a:t>LED</a:t>
+            </a:r>
+            <a:r>
+              <a:rPr lang="ko-KR" altLang="en-US" sz="1600" dirty="0"/>
+              <a:t>점등</a:t>
+            </a:r>
+          </a:p>
+        </p:txBody>
+      </p:sp>
+      <p:sp>
+        <p:nvSpPr>
+          <p:cNvPr id="60" name="TextBox 59">
+            <a:extLst>
+              <a:ext uri="{FF2B5EF4-FFF2-40B4-BE49-F238E27FC236}">
+                <a16:creationId xmlns:a16="http://schemas.microsoft.com/office/drawing/2014/main" id="{2F5FCC0C-D021-42EB-85E3-E6C5F9B4DF24}"/>
+              </a:ext>
+            </a:extLst>
+          </p:cNvPr>
+          <p:cNvSpPr txBox="1"/>
+          <p:nvPr/>
+        </p:nvSpPr>
+        <p:spPr>
+          <a:xfrm>
+            <a:off x="4797952" y="4586046"/>
+            <a:ext cx="1612106" cy="646331"/>
+          </a:xfrm>
+          <a:prstGeom prst="rect">
+            <a:avLst/>
+          </a:prstGeom>
+          <a:noFill/>
+        </p:spPr>
+        <p:txBody>
+          <a:bodyPr wrap="square" rtlCol="0">
+            <a:spAutoFit/>
+          </a:bodyPr>
+          <a:lstStyle/>
+          <a:p>
+            <a:r>
+              <a:rPr lang="ko-KR" altLang="en-US" dirty="0"/>
+              <a:t>     </a:t>
+            </a:r>
+            <a:endParaRPr lang="en-US" altLang="ko-KR" dirty="0"/>
+          </a:p>
+          <a:p>
+            <a:r>
+              <a:rPr lang="en-US" altLang="ko-KR" dirty="0"/>
+              <a:t> </a:t>
+            </a:r>
+            <a:r>
+              <a:rPr lang="ko-KR" altLang="en-US" sz="1600" dirty="0"/>
+              <a:t>노란색 </a:t>
+            </a:r>
+            <a:r>
+              <a:rPr lang="en-US" altLang="ko-KR" sz="1600" dirty="0"/>
+              <a:t>LED</a:t>
+            </a:r>
+            <a:r>
+              <a:rPr lang="ko-KR" altLang="en-US" sz="1600" dirty="0"/>
+              <a:t>점등</a:t>
+            </a:r>
+          </a:p>
+        </p:txBody>
+      </p:sp>
+      <p:sp>
+        <p:nvSpPr>
+          <p:cNvPr id="61" name="TextBox 60">
+            <a:extLst>
+              <a:ext uri="{FF2B5EF4-FFF2-40B4-BE49-F238E27FC236}">
+                <a16:creationId xmlns:a16="http://schemas.microsoft.com/office/drawing/2014/main" id="{92C39335-9764-4D6C-A7B0-3829C9A5B749}"/>
+              </a:ext>
+            </a:extLst>
+          </p:cNvPr>
+          <p:cNvSpPr txBox="1"/>
+          <p:nvPr/>
+        </p:nvSpPr>
+        <p:spPr>
+          <a:xfrm>
+            <a:off x="6895836" y="4578545"/>
+            <a:ext cx="1612106" cy="615553"/>
+          </a:xfrm>
+          <a:prstGeom prst="rect">
+            <a:avLst/>
+          </a:prstGeom>
+          <a:noFill/>
+        </p:spPr>
+        <p:txBody>
+          <a:bodyPr wrap="square" rtlCol="0">
+            <a:spAutoFit/>
+          </a:bodyPr>
+          <a:lstStyle/>
+          <a:p>
+            <a:r>
+              <a:rPr lang="ko-KR" altLang="en-US" dirty="0"/>
+              <a:t>     </a:t>
+            </a:r>
+            <a:endParaRPr lang="en-US" altLang="ko-KR" dirty="0"/>
+          </a:p>
+          <a:p>
+            <a:r>
+              <a:rPr lang="en-US" altLang="ko-KR" sz="1600" dirty="0"/>
+              <a:t> </a:t>
+            </a:r>
+            <a:r>
+              <a:rPr lang="ko-KR" altLang="en-US" sz="1600" dirty="0"/>
+              <a:t>초록색 </a:t>
+            </a:r>
+            <a:r>
+              <a:rPr lang="en-US" altLang="ko-KR" sz="1600" dirty="0"/>
+              <a:t>LED</a:t>
+            </a:r>
+            <a:r>
+              <a:rPr lang="ko-KR" altLang="en-US" sz="1600" dirty="0"/>
+              <a:t>점등</a:t>
+            </a:r>
+          </a:p>
+        </p:txBody>
+      </p:sp>
+      <p:sp>
+        <p:nvSpPr>
+          <p:cNvPr id="62" name="TextBox 61">
+            <a:extLst>
+              <a:ext uri="{FF2B5EF4-FFF2-40B4-BE49-F238E27FC236}">
+                <a16:creationId xmlns:a16="http://schemas.microsoft.com/office/drawing/2014/main" id="{DC2046D7-2F44-4306-ADB6-A74A2B0A8BBD}"/>
+              </a:ext>
+            </a:extLst>
+          </p:cNvPr>
+          <p:cNvSpPr txBox="1"/>
+          <p:nvPr/>
+        </p:nvSpPr>
+        <p:spPr>
+          <a:xfrm>
+            <a:off x="0" y="5636041"/>
+            <a:ext cx="12192000" cy="923330"/>
+          </a:xfrm>
+          <a:prstGeom prst="rect">
+            <a:avLst/>
+          </a:prstGeom>
+          <a:noFill/>
+        </p:spPr>
+        <p:txBody>
+          <a:bodyPr wrap="square" rtlCol="0">
+            <a:spAutoFit/>
+          </a:bodyPr>
+          <a:lstStyle/>
+          <a:p>
+            <a:r>
+              <a:rPr lang="ko-KR" altLang="en-US" dirty="0">
+                <a:effectLst>
+                  <a:outerShdw blurRad="38100" dist="38100" dir="2700000" algn="tl">
+                    <a:srgbClr val="000000">
+                      <a:alpha val="43137"/>
+                    </a:srgbClr>
+                  </a:outerShdw>
+                </a:effectLst>
+              </a:rPr>
+              <a:t>알고리즘</a:t>
+            </a:r>
+            <a:r>
+              <a:rPr lang="en-US" altLang="ko-KR" dirty="0">
+                <a:effectLst>
+                  <a:outerShdw blurRad="38100" dist="38100" dir="2700000" algn="tl">
+                    <a:srgbClr val="000000">
+                      <a:alpha val="43137"/>
+                    </a:srgbClr>
+                  </a:outerShdw>
+                </a:effectLst>
+              </a:rPr>
+              <a:t>:</a:t>
+            </a:r>
+            <a:r>
+              <a:rPr lang="ko-KR" altLang="en-US" dirty="0">
+                <a:effectLst>
+                  <a:outerShdw blurRad="38100" dist="38100" dir="2700000" algn="tl">
+                    <a:srgbClr val="000000">
+                      <a:alpha val="43137"/>
+                    </a:srgbClr>
+                  </a:outerShdw>
+                </a:effectLst>
+              </a:rPr>
+              <a:t>카메라에 의해 투입된 색깔의 비중이 어떤색깔이 더 큰지를 </a:t>
+            </a:r>
+            <a:r>
+              <a:rPr lang="en-US" altLang="ko-KR" dirty="0">
+                <a:effectLst>
+                  <a:outerShdw blurRad="38100" dist="38100" dir="2700000" algn="tl">
+                    <a:srgbClr val="000000">
+                      <a:alpha val="43137"/>
+                    </a:srgbClr>
+                  </a:outerShdw>
+                </a:effectLst>
+              </a:rPr>
+              <a:t>AI</a:t>
+            </a:r>
+            <a:r>
+              <a:rPr lang="ko-KR" altLang="en-US" dirty="0">
+                <a:effectLst>
+                  <a:outerShdw blurRad="38100" dist="38100" dir="2700000" algn="tl">
+                    <a:srgbClr val="000000">
+                      <a:alpha val="43137"/>
+                    </a:srgbClr>
+                  </a:outerShdw>
+                </a:effectLst>
+              </a:rPr>
+              <a:t>가 스스로 판단하여 빨간색의 비중이 높다고       인식하면 빨간색 </a:t>
+            </a:r>
+            <a:r>
+              <a:rPr lang="en-US" altLang="ko-KR" dirty="0">
+                <a:effectLst>
+                  <a:outerShdw blurRad="38100" dist="38100" dir="2700000" algn="tl">
+                    <a:srgbClr val="000000">
+                      <a:alpha val="43137"/>
+                    </a:srgbClr>
+                  </a:outerShdw>
+                </a:effectLst>
+              </a:rPr>
+              <a:t>LED</a:t>
+            </a:r>
+            <a:r>
+              <a:rPr lang="ko-KR" altLang="en-US" dirty="0">
+                <a:effectLst>
+                  <a:outerShdw blurRad="38100" dist="38100" dir="2700000" algn="tl">
+                    <a:srgbClr val="000000">
+                      <a:alpha val="43137"/>
+                    </a:srgbClr>
+                  </a:outerShdw>
+                </a:effectLst>
+              </a:rPr>
+              <a:t>를 점등하고 노란색의 비중이 높다고 인식하면 노란색 </a:t>
+            </a:r>
+            <a:r>
+              <a:rPr lang="en-US" altLang="ko-KR" dirty="0">
+                <a:effectLst>
+                  <a:outerShdw blurRad="38100" dist="38100" dir="2700000" algn="tl">
+                    <a:srgbClr val="000000">
+                      <a:alpha val="43137"/>
+                    </a:srgbClr>
+                  </a:outerShdw>
+                </a:effectLst>
+              </a:rPr>
+              <a:t>LED</a:t>
+            </a:r>
+            <a:r>
+              <a:rPr lang="ko-KR" altLang="en-US" dirty="0">
+                <a:effectLst>
+                  <a:outerShdw blurRad="38100" dist="38100" dir="2700000" algn="tl">
+                    <a:srgbClr val="000000">
+                      <a:alpha val="43137"/>
+                    </a:srgbClr>
+                  </a:outerShdw>
+                </a:effectLst>
+              </a:rPr>
+              <a:t>를 점등하고 초록색의 비중이 높다고 인식하면 초록색 </a:t>
+            </a:r>
+            <a:r>
+              <a:rPr lang="en-US" altLang="ko-KR" dirty="0">
+                <a:effectLst>
+                  <a:outerShdw blurRad="38100" dist="38100" dir="2700000" algn="tl">
+                    <a:srgbClr val="000000">
+                      <a:alpha val="43137"/>
+                    </a:srgbClr>
+                  </a:outerShdw>
+                </a:effectLst>
+              </a:rPr>
+              <a:t>LED</a:t>
+            </a:r>
+            <a:r>
+              <a:rPr lang="ko-KR" altLang="en-US" dirty="0">
+                <a:effectLst>
+                  <a:outerShdw blurRad="38100" dist="38100" dir="2700000" algn="tl">
+                    <a:srgbClr val="000000">
+                      <a:alpha val="43137"/>
+                    </a:srgbClr>
+                  </a:outerShdw>
+                </a:effectLst>
+              </a:rPr>
+              <a:t>를 점등합니다</a:t>
+            </a:r>
+            <a:r>
+              <a:rPr lang="en-US" altLang="ko-KR" dirty="0">
+                <a:effectLst>
+                  <a:outerShdw blurRad="38100" dist="38100" dir="2700000" algn="tl">
+                    <a:srgbClr val="000000">
+                      <a:alpha val="43137"/>
+                    </a:srgbClr>
+                  </a:outerShdw>
+                </a:effectLst>
+              </a:rPr>
+              <a:t>.</a:t>
+            </a:r>
+            <a:r>
+              <a:rPr lang="ko-KR" altLang="en-US" dirty="0">
+                <a:effectLst>
+                  <a:outerShdw blurRad="38100" dist="38100" dir="2700000" algn="tl">
+                    <a:srgbClr val="000000">
+                      <a:alpha val="43137"/>
+                    </a:srgbClr>
+                  </a:outerShdw>
+                </a:effectLst>
+              </a:rPr>
+              <a:t> </a:t>
+            </a:r>
+          </a:p>
+        </p:txBody>
+      </p:sp>
+    </p:spTree>
+    <p:extLst>
+      <p:ext uri="{BB962C8B-B14F-4D97-AF65-F5344CB8AC3E}">
+        <p14:creationId xmlns:p14="http://schemas.microsoft.com/office/powerpoint/2010/main" val="321766131"/>
+      </p:ext>
+    </p:extLst>
+  </p:cSld>
+  <p:clrMapOvr>
+    <a:masterClrMapping/>
+  </p:clrMapOvr>
+</p:sld>
+</file>
+
+<file path=ppt/slides/slide9.xml><?xml version="1.0" encoding="utf-8"?>
+<p:sld xmlns:a="http://schemas.openxmlformats.org/drawingml/2006/main" xmlns:r="http://schemas.openxmlformats.org/officeDocument/2006/relationships" xmlns:p="http://schemas.openxmlformats.org/presentationml/2006/main">
+  <p:cSld>
+    <p:spTree>
+      <p:nvGrpSpPr>
+        <p:cNvPr id="1" name=""/>
+        <p:cNvGrpSpPr/>
+        <p:nvPr/>
+      </p:nvGrpSpPr>
+      <p:grpSpPr>
+        <a:xfrm>
+          <a:off x="0" y="0"/>
+          <a:ext cx="0" cy="0"/>
+          <a:chOff x="0" y="0"/>
+          <a:chExt cx="0" cy="0"/>
+        </a:xfrm>
+      </p:grpSpPr>
+      <p:pic>
+        <p:nvPicPr>
+          <p:cNvPr id="4" name="내용 개체 틀 3"/>
+          <p:cNvPicPr>
+            <a:picLocks noGrp="1" noChangeAspect="1"/>
+          </p:cNvPicPr>
+          <p:nvPr>
+            <p:ph idx="1"/>
+          </p:nvPr>
+        </p:nvPicPr>
+        <p:blipFill>
+          <a:blip r:embed="rId2">
+            <a:extLst>
+              <a:ext uri="{28A0092B-C50C-407E-A947-70E740481C1C}">
+                <a14:useLocalDpi xmlns:a14="http://schemas.microsoft.com/office/drawing/2010/main" val="0"/>
+              </a:ext>
+            </a:extLst>
+          </a:blip>
+          <a:stretch>
+            <a:fillRect/>
+          </a:stretch>
+        </p:blipFill>
+        <p:spPr>
+          <a:xfrm>
+            <a:off x="0" y="0"/>
+            <a:ext cx="5217942" cy="6858000"/>
+          </a:xfrm>
+        </p:spPr>
+      </p:pic>
+      <p:pic>
+        <p:nvPicPr>
+          <p:cNvPr id="5" name="내용 개체 틀 3"/>
+          <p:cNvPicPr>
+            <a:picLocks noChangeAspect="1"/>
+          </p:cNvPicPr>
+          <p:nvPr/>
+        </p:nvPicPr>
+        <p:blipFill>
+          <a:blip r:embed="rId3">
+            <a:extLst>
+              <a:ext uri="{28A0092B-C50C-407E-A947-70E740481C1C}">
+                <a14:useLocalDpi xmlns:a14="http://schemas.microsoft.com/office/drawing/2010/main" val="0"/>
+              </a:ext>
+            </a:extLst>
+          </a:blip>
+          <a:stretch>
+            <a:fillRect/>
+          </a:stretch>
+        </p:blipFill>
+        <p:spPr>
+          <a:xfrm>
+            <a:off x="5217942" y="0"/>
+            <a:ext cx="6974058" cy="3441469"/>
+          </a:xfrm>
+          <a:prstGeom prst="rect">
+            <a:avLst/>
+          </a:prstGeom>
+        </p:spPr>
+      </p:pic>
+      <p:pic>
+        <p:nvPicPr>
+          <p:cNvPr id="6" name="내용 개체 틀 3"/>
+          <p:cNvPicPr>
+            <a:picLocks noChangeAspect="1"/>
+          </p:cNvPicPr>
+          <p:nvPr/>
+        </p:nvPicPr>
+        <p:blipFill>
+          <a:blip r:embed="rId4">
+            <a:extLst>
+              <a:ext uri="{28A0092B-C50C-407E-A947-70E740481C1C}">
+                <a14:useLocalDpi xmlns:a14="http://schemas.microsoft.com/office/drawing/2010/main" val="0"/>
+              </a:ext>
+            </a:extLst>
+          </a:blip>
+          <a:stretch>
+            <a:fillRect/>
+          </a:stretch>
+        </p:blipFill>
+        <p:spPr>
+          <a:xfrm>
+            <a:off x="5217943" y="3441469"/>
+            <a:ext cx="6974058" cy="3429000"/>
+          </a:xfrm>
+          <a:prstGeom prst="rect">
+            <a:avLst/>
+          </a:prstGeom>
+        </p:spPr>
+      </p:pic>
+    </p:spTree>
+    <p:extLst>
+      <p:ext uri="{BB962C8B-B14F-4D97-AF65-F5344CB8AC3E}">
+        <p14:creationId xmlns:p14="http://schemas.microsoft.com/office/powerpoint/2010/main" val="210425705"/>
+      </p:ext>
+    </p:extLst>
+  </p:cSld>
+  <p:clrMapOvr>
+    <a:masterClrMapping/>
+  </p:clrMapOvr>
 </p:sld>
 </file>
 
